--- a/class/ML/ML_project/ml_project_proposal_uddalak_mukherjee_biswajit_rana/ML_Project_Update.pptx
+++ b/class/ML/ML_project/ml_project_proposal_uddalak_mukherjee_biswajit_rana/ML_Project_Update.pptx
@@ -9,7 +9,9 @@
     <p:sldId id="280" r:id="rId3"/>
     <p:sldId id="276" r:id="rId4"/>
     <p:sldId id="277" r:id="rId5"/>
-    <p:sldId id="270" r:id="rId6"/>
+    <p:sldId id="281" r:id="rId6"/>
+    <p:sldId id="282" r:id="rId7"/>
+    <p:sldId id="270" r:id="rId8"/>
   </p:sldIdLst>
   <p:sldSz cx="12192000" cy="6858000"/>
   <p:notesSz cx="6858000" cy="9144000"/>
@@ -185,7 +187,7 @@
           <a:noFill/>
           <a:extLst>
             <a:ext uri="{909E8E84-426E-40dd-AFC4-6F175D3DCCD1}">
-              <a14:hiddenFill xmlns:a14="http://schemas.microsoft.com/office/drawing/2010/main" xmlns="">
+              <a14:hiddenFill xmlns="" xmlns:a14="http://schemas.microsoft.com/office/drawing/2010/main">
                 <a:solidFill>
                   <a:srgbClr val="FFFFFF"/>
                 </a:solidFill>
@@ -244,7 +246,7 @@
             </a:ln>
             <a:extLst>
               <a:ext uri="{91240B29-F687-4f45-9708-019B960494DF}">
-                <a14:hiddenLine xmlns:a14="http://schemas.microsoft.com/office/drawing/2010/main" xmlns="" w="9525">
+                <a14:hiddenLine xmlns="" xmlns:a14="http://schemas.microsoft.com/office/drawing/2010/main" w="9525">
                   <a:solidFill>
                     <a:srgbClr val="000000"/>
                   </a:solidFill>
@@ -334,7 +336,7 @@
             </a:ln>
             <a:extLst>
               <a:ext uri="{91240B29-F687-4f45-9708-019B960494DF}">
-                <a14:hiddenLine xmlns:a14="http://schemas.microsoft.com/office/drawing/2010/main" xmlns="" w="9525">
+                <a14:hiddenLine xmlns="" xmlns:a14="http://schemas.microsoft.com/office/drawing/2010/main" w="9525">
                   <a:solidFill>
                     <a:srgbClr val="000000"/>
                   </a:solidFill>
@@ -424,7 +426,7 @@
             </a:ln>
             <a:extLst>
               <a:ext uri="{91240B29-F687-4f45-9708-019B960494DF}">
-                <a14:hiddenLine xmlns:a14="http://schemas.microsoft.com/office/drawing/2010/main" xmlns="" w="9525">
+                <a14:hiddenLine xmlns="" xmlns:a14="http://schemas.microsoft.com/office/drawing/2010/main" w="9525">
                   <a:solidFill>
                     <a:srgbClr val="000000"/>
                   </a:solidFill>
@@ -458,7 +460,7 @@
             </a:ln>
             <a:extLst>
               <a:ext uri="{91240B29-F687-4f45-9708-019B960494DF}">
-                <a14:hiddenLine xmlns:a14="http://schemas.microsoft.com/office/drawing/2010/main" xmlns="" w="9525">
+                <a14:hiddenLine xmlns="" xmlns:a14="http://schemas.microsoft.com/office/drawing/2010/main" w="9525">
                   <a:solidFill>
                     <a:srgbClr val="000000"/>
                   </a:solidFill>
@@ -548,7 +550,7 @@
             </a:ln>
             <a:extLst>
               <a:ext uri="{91240B29-F687-4f45-9708-019B960494DF}">
-                <a14:hiddenLine xmlns:a14="http://schemas.microsoft.com/office/drawing/2010/main" xmlns="" w="9525">
+                <a14:hiddenLine xmlns="" xmlns:a14="http://schemas.microsoft.com/office/drawing/2010/main" w="9525">
                   <a:solidFill>
                     <a:srgbClr val="000000"/>
                   </a:solidFill>
@@ -610,7 +612,7 @@
             </a:ln>
             <a:extLst>
               <a:ext uri="{91240B29-F687-4f45-9708-019B960494DF}">
-                <a14:hiddenLine xmlns:a14="http://schemas.microsoft.com/office/drawing/2010/main" xmlns="" w="9525">
+                <a14:hiddenLine xmlns="" xmlns:a14="http://schemas.microsoft.com/office/drawing/2010/main" w="9525">
                   <a:solidFill>
                     <a:srgbClr val="000000"/>
                   </a:solidFill>
@@ -672,7 +674,7 @@
             </a:ln>
             <a:extLst>
               <a:ext uri="{91240B29-F687-4f45-9708-019B960494DF}">
-                <a14:hiddenLine xmlns:a14="http://schemas.microsoft.com/office/drawing/2010/main" xmlns="" w="9525">
+                <a14:hiddenLine xmlns="" xmlns:a14="http://schemas.microsoft.com/office/drawing/2010/main" w="9525">
                   <a:solidFill>
                     <a:srgbClr val="000000"/>
                   </a:solidFill>
@@ -762,7 +764,7 @@
             </a:ln>
             <a:extLst>
               <a:ext uri="{91240B29-F687-4f45-9708-019B960494DF}">
-                <a14:hiddenLine xmlns:a14="http://schemas.microsoft.com/office/drawing/2010/main" xmlns="" w="9525">
+                <a14:hiddenLine xmlns="" xmlns:a14="http://schemas.microsoft.com/office/drawing/2010/main" w="9525">
                   <a:solidFill>
                     <a:srgbClr val="000000"/>
                   </a:solidFill>
@@ -824,7 +826,7 @@
             </a:ln>
             <a:extLst>
               <a:ext uri="{91240B29-F687-4f45-9708-019B960494DF}">
-                <a14:hiddenLine xmlns:a14="http://schemas.microsoft.com/office/drawing/2010/main" xmlns="" w="9525">
+                <a14:hiddenLine xmlns="" xmlns:a14="http://schemas.microsoft.com/office/drawing/2010/main" w="9525">
                   <a:solidFill>
                     <a:srgbClr val="000000"/>
                   </a:solidFill>
@@ -886,7 +888,7 @@
             </a:ln>
             <a:extLst>
               <a:ext uri="{91240B29-F687-4f45-9708-019B960494DF}">
-                <a14:hiddenLine xmlns:a14="http://schemas.microsoft.com/office/drawing/2010/main" xmlns="" w="9525">
+                <a14:hiddenLine xmlns="" xmlns:a14="http://schemas.microsoft.com/office/drawing/2010/main" w="9525">
                   <a:solidFill>
                     <a:srgbClr val="000000"/>
                   </a:solidFill>
@@ -976,7 +978,7 @@
             </a:ln>
             <a:extLst>
               <a:ext uri="{91240B29-F687-4f45-9708-019B960494DF}">
-                <a14:hiddenLine xmlns:a14="http://schemas.microsoft.com/office/drawing/2010/main" xmlns="" w="9525">
+                <a14:hiddenLine xmlns="" xmlns:a14="http://schemas.microsoft.com/office/drawing/2010/main" w="9525">
                   <a:solidFill>
                     <a:srgbClr val="000000"/>
                   </a:solidFill>
@@ -1066,7 +1068,7 @@
             </a:ln>
             <a:extLst>
               <a:ext uri="{91240B29-F687-4f45-9708-019B960494DF}">
-                <a14:hiddenLine xmlns:a14="http://schemas.microsoft.com/office/drawing/2010/main" xmlns="" w="9525">
+                <a14:hiddenLine xmlns="" xmlns:a14="http://schemas.microsoft.com/office/drawing/2010/main" w="9525">
                   <a:solidFill>
                     <a:srgbClr val="000000"/>
                   </a:solidFill>
@@ -1128,7 +1130,7 @@
             </a:ln>
             <a:extLst>
               <a:ext uri="{91240B29-F687-4f45-9708-019B960494DF}">
-                <a14:hiddenLine xmlns:a14="http://schemas.microsoft.com/office/drawing/2010/main" xmlns="" w="9525">
+                <a14:hiddenLine xmlns="" xmlns:a14="http://schemas.microsoft.com/office/drawing/2010/main" w="9525">
                   <a:solidFill>
                     <a:srgbClr val="000000"/>
                   </a:solidFill>
@@ -1238,7 +1240,7 @@
             </a:ln>
             <a:extLst>
               <a:ext uri="{91240B29-F687-4f45-9708-019B960494DF}">
-                <a14:hiddenLine xmlns:a14="http://schemas.microsoft.com/office/drawing/2010/main" xmlns="" w="9525">
+                <a14:hiddenLine xmlns="" xmlns:a14="http://schemas.microsoft.com/office/drawing/2010/main" w="9525">
                   <a:solidFill>
                     <a:srgbClr val="000000"/>
                   </a:solidFill>
@@ -1300,7 +1302,7 @@
             </a:ln>
             <a:extLst>
               <a:ext uri="{91240B29-F687-4f45-9708-019B960494DF}">
-                <a14:hiddenLine xmlns:a14="http://schemas.microsoft.com/office/drawing/2010/main" xmlns="" w="9525">
+                <a14:hiddenLine xmlns="" xmlns:a14="http://schemas.microsoft.com/office/drawing/2010/main" w="9525">
                   <a:solidFill>
                     <a:srgbClr val="000000"/>
                   </a:solidFill>
@@ -1390,7 +1392,7 @@
             </a:ln>
             <a:extLst>
               <a:ext uri="{91240B29-F687-4f45-9708-019B960494DF}">
-                <a14:hiddenLine xmlns:a14="http://schemas.microsoft.com/office/drawing/2010/main" xmlns="" w="9525">
+                <a14:hiddenLine xmlns="" xmlns:a14="http://schemas.microsoft.com/office/drawing/2010/main" w="9525">
                   <a:solidFill>
                     <a:srgbClr val="000000"/>
                   </a:solidFill>
@@ -1480,7 +1482,7 @@
             </a:ln>
             <a:extLst>
               <a:ext uri="{91240B29-F687-4f45-9708-019B960494DF}">
-                <a14:hiddenLine xmlns:a14="http://schemas.microsoft.com/office/drawing/2010/main" xmlns="" w="9525">
+                <a14:hiddenLine xmlns="" xmlns:a14="http://schemas.microsoft.com/office/drawing/2010/main" w="9525">
                   <a:solidFill>
                     <a:srgbClr val="000000"/>
                   </a:solidFill>
@@ -1542,7 +1544,7 @@
             </a:ln>
             <a:extLst>
               <a:ext uri="{91240B29-F687-4f45-9708-019B960494DF}">
-                <a14:hiddenLine xmlns:a14="http://schemas.microsoft.com/office/drawing/2010/main" xmlns="" w="9525">
+                <a14:hiddenLine xmlns="" xmlns:a14="http://schemas.microsoft.com/office/drawing/2010/main" w="9525">
                   <a:solidFill>
                     <a:srgbClr val="000000"/>
                   </a:solidFill>
@@ -1632,7 +1634,7 @@
             </a:ln>
             <a:extLst>
               <a:ext uri="{91240B29-F687-4f45-9708-019B960494DF}">
-                <a14:hiddenLine xmlns:a14="http://schemas.microsoft.com/office/drawing/2010/main" xmlns="" w="9525">
+                <a14:hiddenLine xmlns="" xmlns:a14="http://schemas.microsoft.com/office/drawing/2010/main" w="9525">
                   <a:solidFill>
                     <a:srgbClr val="000000"/>
                   </a:solidFill>
@@ -1722,7 +1724,7 @@
             </a:ln>
             <a:extLst>
               <a:ext uri="{91240B29-F687-4f45-9708-019B960494DF}">
-                <a14:hiddenLine xmlns:a14="http://schemas.microsoft.com/office/drawing/2010/main" xmlns="" w="9525">
+                <a14:hiddenLine xmlns="" xmlns:a14="http://schemas.microsoft.com/office/drawing/2010/main" w="9525">
                   <a:solidFill>
                     <a:srgbClr val="000000"/>
                   </a:solidFill>
@@ -1778,7 +1780,7 @@
             </a:ln>
             <a:extLst>
               <a:ext uri="{91240B29-F687-4f45-9708-019B960494DF}">
-                <a14:hiddenLine xmlns:a14="http://schemas.microsoft.com/office/drawing/2010/main" xmlns="" w="9525">
+                <a14:hiddenLine xmlns="" xmlns:a14="http://schemas.microsoft.com/office/drawing/2010/main" w="9525">
                   <a:solidFill>
                     <a:srgbClr val="000000"/>
                   </a:solidFill>
@@ -1868,7 +1870,7 @@
             </a:ln>
             <a:extLst>
               <a:ext uri="{91240B29-F687-4f45-9708-019B960494DF}">
-                <a14:hiddenLine xmlns:a14="http://schemas.microsoft.com/office/drawing/2010/main" xmlns="" w="9525">
+                <a14:hiddenLine xmlns="" xmlns:a14="http://schemas.microsoft.com/office/drawing/2010/main" w="9525">
                   <a:solidFill>
                     <a:srgbClr val="000000"/>
                   </a:solidFill>
@@ -1924,7 +1926,7 @@
             </a:ln>
             <a:extLst>
               <a:ext uri="{91240B29-F687-4f45-9708-019B960494DF}">
-                <a14:hiddenLine xmlns:a14="http://schemas.microsoft.com/office/drawing/2010/main" xmlns="" w="9525">
+                <a14:hiddenLine xmlns="" xmlns:a14="http://schemas.microsoft.com/office/drawing/2010/main" w="9525">
                   <a:solidFill>
                     <a:srgbClr val="000000"/>
                   </a:solidFill>
@@ -2014,7 +2016,7 @@
             </a:ln>
             <a:extLst>
               <a:ext uri="{91240B29-F687-4f45-9708-019B960494DF}">
-                <a14:hiddenLine xmlns:a14="http://schemas.microsoft.com/office/drawing/2010/main" xmlns="" w="9525">
+                <a14:hiddenLine xmlns="" xmlns:a14="http://schemas.microsoft.com/office/drawing/2010/main" w="9525">
                   <a:solidFill>
                     <a:srgbClr val="000000"/>
                   </a:solidFill>
@@ -2082,7 +2084,7 @@
             </a:ln>
             <a:extLst>
               <a:ext uri="{91240B29-F687-4f45-9708-019B960494DF}">
-                <a14:hiddenLine xmlns:a14="http://schemas.microsoft.com/office/drawing/2010/main" xmlns="" w="9525">
+                <a14:hiddenLine xmlns="" xmlns:a14="http://schemas.microsoft.com/office/drawing/2010/main" w="9525">
                   <a:solidFill>
                     <a:srgbClr val="000000"/>
                   </a:solidFill>
@@ -2172,7 +2174,7 @@
             </a:ln>
             <a:extLst>
               <a:ext uri="{91240B29-F687-4f45-9708-019B960494DF}">
-                <a14:hiddenLine xmlns:a14="http://schemas.microsoft.com/office/drawing/2010/main" xmlns="" w="9525">
+                <a14:hiddenLine xmlns="" xmlns:a14="http://schemas.microsoft.com/office/drawing/2010/main" w="9525">
                   <a:solidFill>
                     <a:srgbClr val="000000"/>
                   </a:solidFill>
@@ -2240,7 +2242,7 @@
             </a:ln>
             <a:extLst>
               <a:ext uri="{91240B29-F687-4f45-9708-019B960494DF}">
-                <a14:hiddenLine xmlns:a14="http://schemas.microsoft.com/office/drawing/2010/main" xmlns="" w="9525">
+                <a14:hiddenLine xmlns="" xmlns:a14="http://schemas.microsoft.com/office/drawing/2010/main" w="9525">
                   <a:solidFill>
                     <a:srgbClr val="000000"/>
                   </a:solidFill>
@@ -2330,7 +2332,7 @@
             </a:ln>
             <a:extLst>
               <a:ext uri="{91240B29-F687-4f45-9708-019B960494DF}">
-                <a14:hiddenLine xmlns:a14="http://schemas.microsoft.com/office/drawing/2010/main" xmlns="" w="9525">
+                <a14:hiddenLine xmlns="" xmlns:a14="http://schemas.microsoft.com/office/drawing/2010/main" w="9525">
                   <a:solidFill>
                     <a:srgbClr val="000000"/>
                   </a:solidFill>
@@ -2364,7 +2366,7 @@
             </a:ln>
             <a:extLst>
               <a:ext uri="{91240B29-F687-4f45-9708-019B960494DF}">
-                <a14:hiddenLine xmlns:a14="http://schemas.microsoft.com/office/drawing/2010/main" xmlns="" w="9525">
+                <a14:hiddenLine xmlns="" xmlns:a14="http://schemas.microsoft.com/office/drawing/2010/main" w="9525">
                   <a:solidFill>
                     <a:srgbClr val="000000"/>
                   </a:solidFill>
@@ -2454,7 +2456,7 @@
             </a:ln>
             <a:extLst>
               <a:ext uri="{91240B29-F687-4f45-9708-019B960494DF}">
-                <a14:hiddenLine xmlns:a14="http://schemas.microsoft.com/office/drawing/2010/main" xmlns="" w="9525">
+                <a14:hiddenLine xmlns="" xmlns:a14="http://schemas.microsoft.com/office/drawing/2010/main" w="9525">
                   <a:solidFill>
                     <a:srgbClr val="000000"/>
                   </a:solidFill>
@@ -2516,7 +2518,7 @@
             </a:ln>
             <a:extLst>
               <a:ext uri="{91240B29-F687-4f45-9708-019B960494DF}">
-                <a14:hiddenLine xmlns:a14="http://schemas.microsoft.com/office/drawing/2010/main" xmlns="" w="9525">
+                <a14:hiddenLine xmlns="" xmlns:a14="http://schemas.microsoft.com/office/drawing/2010/main" w="9525">
                   <a:solidFill>
                     <a:srgbClr val="000000"/>
                   </a:solidFill>
@@ -2578,7 +2580,7 @@
             </a:ln>
             <a:extLst>
               <a:ext uri="{91240B29-F687-4f45-9708-019B960494DF}">
-                <a14:hiddenLine xmlns:a14="http://schemas.microsoft.com/office/drawing/2010/main" xmlns="" w="9525">
+                <a14:hiddenLine xmlns="" xmlns:a14="http://schemas.microsoft.com/office/drawing/2010/main" w="9525">
                   <a:solidFill>
                     <a:srgbClr val="000000"/>
                   </a:solidFill>
@@ -2668,7 +2670,7 @@
             </a:ln>
             <a:extLst>
               <a:ext uri="{91240B29-F687-4f45-9708-019B960494DF}">
-                <a14:hiddenLine xmlns:a14="http://schemas.microsoft.com/office/drawing/2010/main" xmlns="" w="9525">
+                <a14:hiddenLine xmlns="" xmlns:a14="http://schemas.microsoft.com/office/drawing/2010/main" w="9525">
                   <a:solidFill>
                     <a:srgbClr val="000000"/>
                   </a:solidFill>
@@ -2736,7 +2738,7 @@
             </a:ln>
             <a:extLst>
               <a:ext uri="{91240B29-F687-4f45-9708-019B960494DF}">
-                <a14:hiddenLine xmlns:a14="http://schemas.microsoft.com/office/drawing/2010/main" xmlns="" w="9525">
+                <a14:hiddenLine xmlns="" xmlns:a14="http://schemas.microsoft.com/office/drawing/2010/main" w="9525">
                   <a:solidFill>
                     <a:srgbClr val="000000"/>
                   </a:solidFill>
@@ -2798,7 +2800,7 @@
             </a:ln>
             <a:extLst>
               <a:ext uri="{91240B29-F687-4f45-9708-019B960494DF}">
-                <a14:hiddenLine xmlns:a14="http://schemas.microsoft.com/office/drawing/2010/main" xmlns="" w="9525">
+                <a14:hiddenLine xmlns="" xmlns:a14="http://schemas.microsoft.com/office/drawing/2010/main" w="9525">
                   <a:solidFill>
                     <a:srgbClr val="000000"/>
                   </a:solidFill>
@@ -2888,7 +2890,7 @@
             </a:ln>
             <a:extLst>
               <a:ext uri="{91240B29-F687-4f45-9708-019B960494DF}">
-                <a14:hiddenLine xmlns:a14="http://schemas.microsoft.com/office/drawing/2010/main" xmlns="" w="9525">
+                <a14:hiddenLine xmlns="" xmlns:a14="http://schemas.microsoft.com/office/drawing/2010/main" w="9525">
                   <a:solidFill>
                     <a:srgbClr val="000000"/>
                   </a:solidFill>
@@ -2950,7 +2952,7 @@
             </a:ln>
             <a:extLst>
               <a:ext uri="{91240B29-F687-4f45-9708-019B960494DF}">
-                <a14:hiddenLine xmlns:a14="http://schemas.microsoft.com/office/drawing/2010/main" xmlns="" w="9525">
+                <a14:hiddenLine xmlns="" xmlns:a14="http://schemas.microsoft.com/office/drawing/2010/main" w="9525">
                   <a:solidFill>
                     <a:srgbClr val="000000"/>
                   </a:solidFill>
@@ -3040,7 +3042,7 @@
             </a:ln>
             <a:extLst>
               <a:ext uri="{91240B29-F687-4f45-9708-019B960494DF}">
-                <a14:hiddenLine xmlns:a14="http://schemas.microsoft.com/office/drawing/2010/main" xmlns="" w="9525">
+                <a14:hiddenLine xmlns="" xmlns:a14="http://schemas.microsoft.com/office/drawing/2010/main" w="9525">
                   <a:solidFill>
                     <a:srgbClr val="000000"/>
                   </a:solidFill>
@@ -3102,7 +3104,7 @@
             </a:ln>
             <a:extLst>
               <a:ext uri="{91240B29-F687-4f45-9708-019B960494DF}">
-                <a14:hiddenLine xmlns:a14="http://schemas.microsoft.com/office/drawing/2010/main" xmlns="" w="9525">
+                <a14:hiddenLine xmlns="" xmlns:a14="http://schemas.microsoft.com/office/drawing/2010/main" w="9525">
                   <a:solidFill>
                     <a:srgbClr val="000000"/>
                   </a:solidFill>
@@ -3192,7 +3194,7 @@
             </a:ln>
             <a:extLst>
               <a:ext uri="{91240B29-F687-4f45-9708-019B960494DF}">
-                <a14:hiddenLine xmlns:a14="http://schemas.microsoft.com/office/drawing/2010/main" xmlns="" w="9525">
+                <a14:hiddenLine xmlns="" xmlns:a14="http://schemas.microsoft.com/office/drawing/2010/main" w="9525">
                   <a:solidFill>
                     <a:srgbClr val="000000"/>
                   </a:solidFill>
@@ -3226,7 +3228,7 @@
             </a:ln>
             <a:extLst>
               <a:ext uri="{91240B29-F687-4f45-9708-019B960494DF}">
-                <a14:hiddenLine xmlns:a14="http://schemas.microsoft.com/office/drawing/2010/main" xmlns="" w="9525">
+                <a14:hiddenLine xmlns="" xmlns:a14="http://schemas.microsoft.com/office/drawing/2010/main" w="9525">
                   <a:solidFill>
                     <a:srgbClr val="000000"/>
                   </a:solidFill>
@@ -3291,7 +3293,7 @@
             </a:ln>
             <a:extLst>
               <a:ext uri="{91240B29-F687-4f45-9708-019B960494DF}">
-                <a14:hiddenLine xmlns:a14="http://schemas.microsoft.com/office/drawing/2010/main" xmlns="" w="9525">
+                <a14:hiddenLine xmlns="" xmlns:a14="http://schemas.microsoft.com/office/drawing/2010/main" w="9525">
                   <a:solidFill>
                     <a:srgbClr val="000000"/>
                   </a:solidFill>
@@ -3381,7 +3383,7 @@
             </a:ln>
             <a:extLst>
               <a:ext uri="{91240B29-F687-4f45-9708-019B960494DF}">
-                <a14:hiddenLine xmlns:a14="http://schemas.microsoft.com/office/drawing/2010/main" xmlns="" w="9525">
+                <a14:hiddenLine xmlns="" xmlns:a14="http://schemas.microsoft.com/office/drawing/2010/main" w="9525">
                   <a:solidFill>
                     <a:srgbClr val="000000"/>
                   </a:solidFill>
@@ -3443,7 +3445,7 @@
             </a:ln>
             <a:extLst>
               <a:ext uri="{91240B29-F687-4f45-9708-019B960494DF}">
-                <a14:hiddenLine xmlns:a14="http://schemas.microsoft.com/office/drawing/2010/main" xmlns="" w="9525">
+                <a14:hiddenLine xmlns="" xmlns:a14="http://schemas.microsoft.com/office/drawing/2010/main" w="9525">
                   <a:solidFill>
                     <a:srgbClr val="000000"/>
                   </a:solidFill>
@@ -3533,7 +3535,7 @@
             </a:ln>
             <a:extLst>
               <a:ext uri="{91240B29-F687-4f45-9708-019B960494DF}">
-                <a14:hiddenLine xmlns:a14="http://schemas.microsoft.com/office/drawing/2010/main" xmlns="" w="9525">
+                <a14:hiddenLine xmlns="" xmlns:a14="http://schemas.microsoft.com/office/drawing/2010/main" w="9525">
                   <a:solidFill>
                     <a:srgbClr val="000000"/>
                   </a:solidFill>
@@ -3623,7 +3625,7 @@
             </a:ln>
             <a:extLst>
               <a:ext uri="{91240B29-F687-4f45-9708-019B960494DF}">
-                <a14:hiddenLine xmlns:a14="http://schemas.microsoft.com/office/drawing/2010/main" xmlns="" w="9525">
+                <a14:hiddenLine xmlns="" xmlns:a14="http://schemas.microsoft.com/office/drawing/2010/main" w="9525">
                   <a:solidFill>
                     <a:srgbClr val="000000"/>
                   </a:solidFill>
@@ -3688,7 +3690,7 @@
             </a:ln>
             <a:extLst>
               <a:ext uri="{91240B29-F687-4f45-9708-019B960494DF}">
-                <a14:hiddenLine xmlns:a14="http://schemas.microsoft.com/office/drawing/2010/main" xmlns="" w="9525">
+                <a14:hiddenLine xmlns="" xmlns:a14="http://schemas.microsoft.com/office/drawing/2010/main" w="9525">
                   <a:solidFill>
                     <a:srgbClr val="000000"/>
                   </a:solidFill>
@@ -3750,7 +3752,7 @@
             </a:ln>
             <a:extLst>
               <a:ext uri="{91240B29-F687-4f45-9708-019B960494DF}">
-                <a14:hiddenLine xmlns:a14="http://schemas.microsoft.com/office/drawing/2010/main" xmlns="" w="9525">
+                <a14:hiddenLine xmlns="" xmlns:a14="http://schemas.microsoft.com/office/drawing/2010/main" w="9525">
                   <a:solidFill>
                     <a:srgbClr val="000000"/>
                   </a:solidFill>
@@ -3840,7 +3842,7 @@
             </a:ln>
             <a:extLst>
               <a:ext uri="{91240B29-F687-4f45-9708-019B960494DF}">
-                <a14:hiddenLine xmlns:a14="http://schemas.microsoft.com/office/drawing/2010/main" xmlns="" w="9525">
+                <a14:hiddenLine xmlns="" xmlns:a14="http://schemas.microsoft.com/office/drawing/2010/main" w="9525">
                   <a:solidFill>
                     <a:srgbClr val="000000"/>
                   </a:solidFill>
@@ -3930,7 +3932,7 @@
             </a:ln>
             <a:extLst>
               <a:ext uri="{91240B29-F687-4f45-9708-019B960494DF}">
-                <a14:hiddenLine xmlns:a14="http://schemas.microsoft.com/office/drawing/2010/main" xmlns="" w="9525">
+                <a14:hiddenLine xmlns="" xmlns:a14="http://schemas.microsoft.com/office/drawing/2010/main" w="9525">
                   <a:solidFill>
                     <a:srgbClr val="000000"/>
                   </a:solidFill>
@@ -3992,7 +3994,7 @@
             </a:ln>
             <a:extLst>
               <a:ext uri="{91240B29-F687-4f45-9708-019B960494DF}">
-                <a14:hiddenLine xmlns:a14="http://schemas.microsoft.com/office/drawing/2010/main" xmlns="" w="9525">
+                <a14:hiddenLine xmlns="" xmlns:a14="http://schemas.microsoft.com/office/drawing/2010/main" w="9525">
                   <a:solidFill>
                     <a:srgbClr val="000000"/>
                   </a:solidFill>
@@ -4112,7 +4114,7 @@
             </a:ln>
             <a:extLst>
               <a:ext uri="{91240B29-F687-4f45-9708-019B960494DF}">
-                <a14:hiddenLine xmlns:a14="http://schemas.microsoft.com/office/drawing/2010/main" xmlns="" w="9525">
+                <a14:hiddenLine xmlns="" xmlns:a14="http://schemas.microsoft.com/office/drawing/2010/main" w="9525">
                   <a:solidFill>
                     <a:srgbClr val="000000"/>
                   </a:solidFill>
@@ -4180,7 +4182,7 @@
             </a:ln>
             <a:extLst>
               <a:ext uri="{91240B29-F687-4f45-9708-019B960494DF}">
-                <a14:hiddenLine xmlns:a14="http://schemas.microsoft.com/office/drawing/2010/main" xmlns="" w="9525">
+                <a14:hiddenLine xmlns="" xmlns:a14="http://schemas.microsoft.com/office/drawing/2010/main" w="9525">
                   <a:solidFill>
                     <a:srgbClr val="000000"/>
                   </a:solidFill>
@@ -4270,7 +4272,7 @@
             </a:ln>
             <a:extLst>
               <a:ext uri="{91240B29-F687-4f45-9708-019B960494DF}">
-                <a14:hiddenLine xmlns:a14="http://schemas.microsoft.com/office/drawing/2010/main" xmlns="" w="9525">
+                <a14:hiddenLine xmlns="" xmlns:a14="http://schemas.microsoft.com/office/drawing/2010/main" w="9525">
                   <a:solidFill>
                     <a:srgbClr val="000000"/>
                   </a:solidFill>
@@ -9084,7 +9086,7 @@
           <a:noFill/>
           <a:extLst>
             <a:ext uri="{909E8E84-426E-40dd-AFC4-6F175D3DCCD1}">
-              <a14:hiddenFill xmlns:a14="http://schemas.microsoft.com/office/drawing/2010/main" xmlns="">
+              <a14:hiddenFill xmlns="" xmlns:a14="http://schemas.microsoft.com/office/drawing/2010/main">
                 <a:solidFill>
                   <a:srgbClr val="FFFFFF"/>
                 </a:solidFill>
@@ -9158,7 +9160,7 @@
               </a:ln>
               <a:extLst>
                 <a:ext uri="{91240B29-F687-4f45-9708-019B960494DF}">
-                  <a14:hiddenLine xmlns:a14="http://schemas.microsoft.com/office/drawing/2010/main" xmlns="" w="9525">
+                  <a14:hiddenLine xmlns="" xmlns:a14="http://schemas.microsoft.com/office/drawing/2010/main" w="9525">
                     <a:solidFill>
                       <a:srgbClr val="000000"/>
                     </a:solidFill>
@@ -9248,7 +9250,7 @@
               </a:ln>
               <a:extLst>
                 <a:ext uri="{91240B29-F687-4f45-9708-019B960494DF}">
-                  <a14:hiddenLine xmlns:a14="http://schemas.microsoft.com/office/drawing/2010/main" xmlns="" w="9525">
+                  <a14:hiddenLine xmlns="" xmlns:a14="http://schemas.microsoft.com/office/drawing/2010/main" w="9525">
                     <a:solidFill>
                       <a:srgbClr val="000000"/>
                     </a:solidFill>
@@ -9338,7 +9340,7 @@
               </a:ln>
               <a:extLst>
                 <a:ext uri="{91240B29-F687-4f45-9708-019B960494DF}">
-                  <a14:hiddenLine xmlns:a14="http://schemas.microsoft.com/office/drawing/2010/main" xmlns="" w="9525">
+                  <a14:hiddenLine xmlns="" xmlns:a14="http://schemas.microsoft.com/office/drawing/2010/main" w="9525">
                     <a:solidFill>
                       <a:srgbClr val="000000"/>
                     </a:solidFill>
@@ -9400,7 +9402,7 @@
               </a:ln>
               <a:extLst>
                 <a:ext uri="{91240B29-F687-4f45-9708-019B960494DF}">
-                  <a14:hiddenLine xmlns:a14="http://schemas.microsoft.com/office/drawing/2010/main" xmlns="" w="9525">
+                  <a14:hiddenLine xmlns="" xmlns:a14="http://schemas.microsoft.com/office/drawing/2010/main" w="9525">
                     <a:solidFill>
                       <a:srgbClr val="000000"/>
                     </a:solidFill>
@@ -9490,7 +9492,7 @@
               </a:ln>
               <a:extLst>
                 <a:ext uri="{91240B29-F687-4f45-9708-019B960494DF}">
-                  <a14:hiddenLine xmlns:a14="http://schemas.microsoft.com/office/drawing/2010/main" xmlns="" w="9525">
+                  <a14:hiddenLine xmlns="" xmlns:a14="http://schemas.microsoft.com/office/drawing/2010/main" w="9525">
                     <a:solidFill>
                       <a:srgbClr val="000000"/>
                     </a:solidFill>
@@ -9552,7 +9554,7 @@
               </a:ln>
               <a:extLst>
                 <a:ext uri="{91240B29-F687-4f45-9708-019B960494DF}">
-                  <a14:hiddenLine xmlns:a14="http://schemas.microsoft.com/office/drawing/2010/main" xmlns="" w="9525">
+                  <a14:hiddenLine xmlns="" xmlns:a14="http://schemas.microsoft.com/office/drawing/2010/main" w="9525">
                     <a:solidFill>
                       <a:srgbClr val="000000"/>
                     </a:solidFill>
@@ -9614,7 +9616,7 @@
               </a:ln>
               <a:extLst>
                 <a:ext uri="{91240B29-F687-4f45-9708-019B960494DF}">
-                  <a14:hiddenLine xmlns:a14="http://schemas.microsoft.com/office/drawing/2010/main" xmlns="" w="9525">
+                  <a14:hiddenLine xmlns="" xmlns:a14="http://schemas.microsoft.com/office/drawing/2010/main" w="9525">
                     <a:solidFill>
                       <a:srgbClr val="000000"/>
                     </a:solidFill>
@@ -9704,7 +9706,7 @@
               </a:ln>
               <a:extLst>
                 <a:ext uri="{91240B29-F687-4f45-9708-019B960494DF}">
-                  <a14:hiddenLine xmlns:a14="http://schemas.microsoft.com/office/drawing/2010/main" xmlns="" w="9525">
+                  <a14:hiddenLine xmlns="" xmlns:a14="http://schemas.microsoft.com/office/drawing/2010/main" w="9525">
                     <a:solidFill>
                       <a:srgbClr val="000000"/>
                     </a:solidFill>
@@ -9794,7 +9796,7 @@
               </a:ln>
               <a:extLst>
                 <a:ext uri="{91240B29-F687-4f45-9708-019B960494DF}">
-                  <a14:hiddenLine xmlns:a14="http://schemas.microsoft.com/office/drawing/2010/main" xmlns="" w="9525">
+                  <a14:hiddenLine xmlns="" xmlns:a14="http://schemas.microsoft.com/office/drawing/2010/main" w="9525">
                     <a:solidFill>
                       <a:srgbClr val="000000"/>
                     </a:solidFill>
@@ -9856,7 +9858,7 @@
               </a:ln>
               <a:extLst>
                 <a:ext uri="{91240B29-F687-4f45-9708-019B960494DF}">
-                  <a14:hiddenLine xmlns:a14="http://schemas.microsoft.com/office/drawing/2010/main" xmlns="" w="9525">
+                  <a14:hiddenLine xmlns="" xmlns:a14="http://schemas.microsoft.com/office/drawing/2010/main" w="9525">
                     <a:solidFill>
                       <a:srgbClr val="000000"/>
                     </a:solidFill>
@@ -9966,7 +9968,7 @@
               </a:ln>
               <a:extLst>
                 <a:ext uri="{91240B29-F687-4f45-9708-019B960494DF}">
-                  <a14:hiddenLine xmlns:a14="http://schemas.microsoft.com/office/drawing/2010/main" xmlns="" w="9525">
+                  <a14:hiddenLine xmlns="" xmlns:a14="http://schemas.microsoft.com/office/drawing/2010/main" w="9525">
                     <a:solidFill>
                       <a:srgbClr val="000000"/>
                     </a:solidFill>
@@ -10050,7 +10052,7 @@
               </a:ln>
               <a:extLst>
                 <a:ext uri="{91240B29-F687-4f45-9708-019B960494DF}">
-                  <a14:hiddenLine xmlns:a14="http://schemas.microsoft.com/office/drawing/2010/main" xmlns="" w="9525">
+                  <a14:hiddenLine xmlns="" xmlns:a14="http://schemas.microsoft.com/office/drawing/2010/main" w="9525">
                     <a:solidFill>
                       <a:srgbClr val="000000"/>
                     </a:solidFill>
@@ -10112,7 +10114,7 @@
               </a:ln>
               <a:extLst>
                 <a:ext uri="{91240B29-F687-4f45-9708-019B960494DF}">
-                  <a14:hiddenLine xmlns:a14="http://schemas.microsoft.com/office/drawing/2010/main" xmlns="" w="9525">
+                  <a14:hiddenLine xmlns="" xmlns:a14="http://schemas.microsoft.com/office/drawing/2010/main" w="9525">
                     <a:solidFill>
                       <a:srgbClr val="000000"/>
                     </a:solidFill>
@@ -10174,7 +10176,7 @@
               </a:ln>
               <a:extLst>
                 <a:ext uri="{91240B29-F687-4f45-9708-019B960494DF}">
-                  <a14:hiddenLine xmlns:a14="http://schemas.microsoft.com/office/drawing/2010/main" xmlns="" w="9525">
+                  <a14:hiddenLine xmlns="" xmlns:a14="http://schemas.microsoft.com/office/drawing/2010/main" w="9525">
                     <a:solidFill>
                       <a:srgbClr val="000000"/>
                     </a:solidFill>
@@ -10264,7 +10266,7 @@
               </a:ln>
               <a:extLst>
                 <a:ext uri="{91240B29-F687-4f45-9708-019B960494DF}">
-                  <a14:hiddenLine xmlns:a14="http://schemas.microsoft.com/office/drawing/2010/main" xmlns="" w="9525">
+                  <a14:hiddenLine xmlns="" xmlns:a14="http://schemas.microsoft.com/office/drawing/2010/main" w="9525">
                     <a:solidFill>
                       <a:srgbClr val="000000"/>
                     </a:solidFill>
@@ -10298,7 +10300,7 @@
               </a:ln>
               <a:extLst>
                 <a:ext uri="{91240B29-F687-4f45-9708-019B960494DF}">
-                  <a14:hiddenLine xmlns:a14="http://schemas.microsoft.com/office/drawing/2010/main" xmlns="" w="9525">
+                  <a14:hiddenLine xmlns="" xmlns:a14="http://schemas.microsoft.com/office/drawing/2010/main" w="9525">
                     <a:solidFill>
                       <a:srgbClr val="000000"/>
                     </a:solidFill>
@@ -10363,7 +10365,7 @@
               </a:ln>
               <a:extLst>
                 <a:ext uri="{91240B29-F687-4f45-9708-019B960494DF}">
-                  <a14:hiddenLine xmlns:a14="http://schemas.microsoft.com/office/drawing/2010/main" xmlns="" w="9525">
+                  <a14:hiddenLine xmlns="" xmlns:a14="http://schemas.microsoft.com/office/drawing/2010/main" w="9525">
                     <a:solidFill>
                       <a:srgbClr val="000000"/>
                     </a:solidFill>
@@ -10453,7 +10455,7 @@
               </a:ln>
               <a:extLst>
                 <a:ext uri="{91240B29-F687-4f45-9708-019B960494DF}">
-                  <a14:hiddenLine xmlns:a14="http://schemas.microsoft.com/office/drawing/2010/main" xmlns="" w="9525">
+                  <a14:hiddenLine xmlns="" xmlns:a14="http://schemas.microsoft.com/office/drawing/2010/main" w="9525">
                     <a:solidFill>
                       <a:srgbClr val="000000"/>
                     </a:solidFill>
@@ -10515,7 +10517,7 @@
               </a:ln>
               <a:extLst>
                 <a:ext uri="{91240B29-F687-4f45-9708-019B960494DF}">
-                  <a14:hiddenLine xmlns:a14="http://schemas.microsoft.com/office/drawing/2010/main" xmlns="" w="9525">
+                  <a14:hiddenLine xmlns="" xmlns:a14="http://schemas.microsoft.com/office/drawing/2010/main" w="9525">
                     <a:solidFill>
                       <a:srgbClr val="000000"/>
                     </a:solidFill>
@@ -10605,7 +10607,7 @@
               </a:ln>
               <a:extLst>
                 <a:ext uri="{91240B29-F687-4f45-9708-019B960494DF}">
-                  <a14:hiddenLine xmlns:a14="http://schemas.microsoft.com/office/drawing/2010/main" xmlns="" w="9525">
+                  <a14:hiddenLine xmlns="" xmlns:a14="http://schemas.microsoft.com/office/drawing/2010/main" w="9525">
                     <a:solidFill>
                       <a:srgbClr val="000000"/>
                     </a:solidFill>
@@ -10670,7 +10672,7 @@
               </a:ln>
               <a:extLst>
                 <a:ext uri="{91240B29-F687-4f45-9708-019B960494DF}">
-                  <a14:hiddenLine xmlns:a14="http://schemas.microsoft.com/office/drawing/2010/main" xmlns="" w="9525">
+                  <a14:hiddenLine xmlns="" xmlns:a14="http://schemas.microsoft.com/office/drawing/2010/main" w="9525">
                     <a:solidFill>
                       <a:srgbClr val="000000"/>
                     </a:solidFill>
@@ -10732,7 +10734,7 @@
               </a:ln>
               <a:extLst>
                 <a:ext uri="{91240B29-F687-4f45-9708-019B960494DF}">
-                  <a14:hiddenLine xmlns:a14="http://schemas.microsoft.com/office/drawing/2010/main" xmlns="" w="9525">
+                  <a14:hiddenLine xmlns="" xmlns:a14="http://schemas.microsoft.com/office/drawing/2010/main" w="9525">
                     <a:solidFill>
                       <a:srgbClr val="000000"/>
                     </a:solidFill>
@@ -10822,7 +10824,7 @@
               </a:ln>
               <a:extLst>
                 <a:ext uri="{91240B29-F687-4f45-9708-019B960494DF}">
-                  <a14:hiddenLine xmlns:a14="http://schemas.microsoft.com/office/drawing/2010/main" xmlns="" w="9525">
+                  <a14:hiddenLine xmlns="" xmlns:a14="http://schemas.microsoft.com/office/drawing/2010/main" w="9525">
                     <a:solidFill>
                       <a:srgbClr val="000000"/>
                     </a:solidFill>
@@ -10912,7 +10914,7 @@
               </a:ln>
               <a:extLst>
                 <a:ext uri="{91240B29-F687-4f45-9708-019B960494DF}">
-                  <a14:hiddenLine xmlns:a14="http://schemas.microsoft.com/office/drawing/2010/main" xmlns="" w="9525">
+                  <a14:hiddenLine xmlns="" xmlns:a14="http://schemas.microsoft.com/office/drawing/2010/main" w="9525">
                     <a:solidFill>
                       <a:srgbClr val="000000"/>
                     </a:solidFill>
@@ -10977,7 +10979,7 @@
               </a:ln>
               <a:extLst>
                 <a:ext uri="{91240B29-F687-4f45-9708-019B960494DF}">
-                  <a14:hiddenLine xmlns:a14="http://schemas.microsoft.com/office/drawing/2010/main" xmlns="" w="9525">
+                  <a14:hiddenLine xmlns="" xmlns:a14="http://schemas.microsoft.com/office/drawing/2010/main" w="9525">
                     <a:solidFill>
                       <a:srgbClr val="000000"/>
                     </a:solidFill>
@@ -11097,7 +11099,7 @@
               </a:ln>
               <a:extLst>
                 <a:ext uri="{91240B29-F687-4f45-9708-019B960494DF}">
-                  <a14:hiddenLine xmlns:a14="http://schemas.microsoft.com/office/drawing/2010/main" xmlns="" w="9525">
+                  <a14:hiddenLine xmlns="" xmlns:a14="http://schemas.microsoft.com/office/drawing/2010/main" w="9525">
                     <a:solidFill>
                       <a:srgbClr val="000000"/>
                     </a:solidFill>
@@ -11178,7 +11180,7 @@
               </a:ln>
               <a:extLst>
                 <a:ext uri="{91240B29-F687-4f45-9708-019B960494DF}">
-                  <a14:hiddenLine xmlns:a14="http://schemas.microsoft.com/office/drawing/2010/main" xmlns="" w="9525">
+                  <a14:hiddenLine xmlns="" xmlns:a14="http://schemas.microsoft.com/office/drawing/2010/main" w="9525">
                     <a:solidFill>
                       <a:srgbClr val="000000"/>
                     </a:solidFill>
@@ -11293,7 +11295,7 @@
               </a:ln>
               <a:extLst>
                 <a:ext uri="{91240B29-F687-4f45-9708-019B960494DF}">
-                  <a14:hiddenLine xmlns:a14="http://schemas.microsoft.com/office/drawing/2010/main" xmlns="" w="9525">
+                  <a14:hiddenLine xmlns="" xmlns:a14="http://schemas.microsoft.com/office/drawing/2010/main" w="9525">
                     <a:solidFill>
                       <a:srgbClr val="000000"/>
                     </a:solidFill>
@@ -11383,7 +11385,7 @@
               </a:ln>
               <a:extLst>
                 <a:ext uri="{91240B29-F687-4f45-9708-019B960494DF}">
-                  <a14:hiddenLine xmlns:a14="http://schemas.microsoft.com/office/drawing/2010/main" xmlns="" w="9525">
+                  <a14:hiddenLine xmlns="" xmlns:a14="http://schemas.microsoft.com/office/drawing/2010/main" w="9525">
                     <a:solidFill>
                       <a:srgbClr val="000000"/>
                     </a:solidFill>
@@ -11448,7 +11450,7 @@
               </a:ln>
               <a:extLst>
                 <a:ext uri="{91240B29-F687-4f45-9708-019B960494DF}">
-                  <a14:hiddenLine xmlns:a14="http://schemas.microsoft.com/office/drawing/2010/main" xmlns="" w="9525">
+                  <a14:hiddenLine xmlns="" xmlns:a14="http://schemas.microsoft.com/office/drawing/2010/main" w="9525">
                     <a:solidFill>
                       <a:srgbClr val="000000"/>
                     </a:solidFill>
@@ -11538,7 +11540,7 @@
               </a:ln>
               <a:extLst>
                 <a:ext uri="{91240B29-F687-4f45-9708-019B960494DF}">
-                  <a14:hiddenLine xmlns:a14="http://schemas.microsoft.com/office/drawing/2010/main" xmlns="" w="9525">
+                  <a14:hiddenLine xmlns="" xmlns:a14="http://schemas.microsoft.com/office/drawing/2010/main" w="9525">
                     <a:solidFill>
                       <a:srgbClr val="000000"/>
                     </a:solidFill>
@@ -11606,7 +11608,7 @@
               </a:ln>
               <a:extLst>
                 <a:ext uri="{91240B29-F687-4f45-9708-019B960494DF}">
-                  <a14:hiddenLine xmlns:a14="http://schemas.microsoft.com/office/drawing/2010/main" xmlns="" w="9525">
+                  <a14:hiddenLine xmlns="" xmlns:a14="http://schemas.microsoft.com/office/drawing/2010/main" w="9525">
                     <a:solidFill>
                       <a:srgbClr val="000000"/>
                     </a:solidFill>
@@ -11696,7 +11698,7 @@
               </a:ln>
               <a:extLst>
                 <a:ext uri="{91240B29-F687-4f45-9708-019B960494DF}">
-                  <a14:hiddenLine xmlns:a14="http://schemas.microsoft.com/office/drawing/2010/main" xmlns="" w="9525">
+                  <a14:hiddenLine xmlns="" xmlns:a14="http://schemas.microsoft.com/office/drawing/2010/main" w="9525">
                     <a:solidFill>
                       <a:srgbClr val="000000"/>
                     </a:solidFill>
@@ -11764,7 +11766,7 @@
               </a:ln>
               <a:extLst>
                 <a:ext uri="{91240B29-F687-4f45-9708-019B960494DF}">
-                  <a14:hiddenLine xmlns:a14="http://schemas.microsoft.com/office/drawing/2010/main" xmlns="" w="9525">
+                  <a14:hiddenLine xmlns="" xmlns:a14="http://schemas.microsoft.com/office/drawing/2010/main" w="9525">
                     <a:solidFill>
                       <a:srgbClr val="000000"/>
                     </a:solidFill>
@@ -11854,7 +11856,7 @@
               </a:ln>
               <a:extLst>
                 <a:ext uri="{91240B29-F687-4f45-9708-019B960494DF}">
-                  <a14:hiddenLine xmlns:a14="http://schemas.microsoft.com/office/drawing/2010/main" xmlns="" w="9525">
+                  <a14:hiddenLine xmlns="" xmlns:a14="http://schemas.microsoft.com/office/drawing/2010/main" w="9525">
                     <a:solidFill>
                       <a:srgbClr val="000000"/>
                     </a:solidFill>
@@ -11888,7 +11890,7 @@
               </a:ln>
               <a:extLst>
                 <a:ext uri="{91240B29-F687-4f45-9708-019B960494DF}">
-                  <a14:hiddenLine xmlns:a14="http://schemas.microsoft.com/office/drawing/2010/main" xmlns="" w="9525">
+                  <a14:hiddenLine xmlns="" xmlns:a14="http://schemas.microsoft.com/office/drawing/2010/main" w="9525">
                     <a:solidFill>
                       <a:srgbClr val="000000"/>
                     </a:solidFill>
@@ -14621,6 +14623,323 @@
           <p:cNvPr id="2" name="TextBox 1">
             <a:extLst>
               <a:ext uri="{FF2B5EF4-FFF2-40B4-BE49-F238E27FC236}">
+                <a16:creationId xmlns:a16="http://schemas.microsoft.com/office/drawing/2014/main" id="{C75249DE-E7BB-5530-012F-E3C3733E7164}"/>
+              </a:ext>
+            </a:extLst>
+          </p:cNvPr>
+          <p:cNvSpPr txBox="1"/>
+          <p:nvPr/>
+        </p:nvSpPr>
+        <p:spPr>
+          <a:xfrm>
+            <a:off x="1006312" y="607186"/>
+            <a:ext cx="6280608" cy="646331"/>
+          </a:xfrm>
+          <a:prstGeom prst="rect">
+            <a:avLst/>
+          </a:prstGeom>
+          <a:noFill/>
+        </p:spPr>
+        <p:txBody>
+          <a:bodyPr wrap="square">
+            <a:spAutoFit/>
+          </a:bodyPr>
+          <a:lstStyle/>
+          <a:p>
+            <a:pPr marL="576072" indent="-576072" algn="l" rtl="0" eaLnBrk="1" latinLnBrk="0" hangingPunct="1">
+              <a:spcBef>
+                <a:spcPts val="0"/>
+              </a:spcBef>
+              <a:spcAft>
+                <a:spcPts val="0"/>
+              </a:spcAft>
+              <a:buClrTx/>
+              <a:buSzPts val="3600"/>
+              <a:buFont typeface="Wingdings" panose="05000000000000000000" pitchFamily="2" charset="2"/>
+              <a:buChar char="Ø"/>
+            </a:pPr>
+            <a:r>
+              <a:rPr lang="en-US" sz="3600" b="1" kern="1200" dirty="0">
+                <a:effectLst/>
+                <a:latin typeface="Berlin Sans FB Demi" panose="020E0802020502020306" pitchFamily="34" charset="0"/>
+              </a:rPr>
+              <a:t>Data Collection:</a:t>
+            </a:r>
+            <a:endParaRPr lang="en-IN" sz="3200" dirty="0">
+              <a:effectLst/>
+            </a:endParaRPr>
+          </a:p>
+        </p:txBody>
+      </p:sp>
+      <p:sp>
+        <p:nvSpPr>
+          <p:cNvPr id="5" name="TextBox 4">
+            <a:extLst>
+              <a:ext uri="{FF2B5EF4-FFF2-40B4-BE49-F238E27FC236}">
+                <a16:creationId xmlns:a16="http://schemas.microsoft.com/office/drawing/2014/main" id="{36B80258-3CB7-85B9-76C4-5C338D513491}"/>
+              </a:ext>
+            </a:extLst>
+          </p:cNvPr>
+          <p:cNvSpPr txBox="1"/>
+          <p:nvPr/>
+        </p:nvSpPr>
+        <p:spPr>
+          <a:xfrm>
+            <a:off x="1395166" y="1470582"/>
+            <a:ext cx="7136091" cy="1200329"/>
+          </a:xfrm>
+          <a:prstGeom prst="rect">
+            <a:avLst/>
+          </a:prstGeom>
+          <a:noFill/>
+        </p:spPr>
+        <p:txBody>
+          <a:bodyPr wrap="square" rtlCol="0">
+            <a:spAutoFit/>
+          </a:bodyPr>
+          <a:lstStyle/>
+          <a:p>
+            <a:pPr marL="285750" indent="-285750">
+              <a:buFont typeface="Courier New" panose="02070309020205020404" pitchFamily="49" charset="0"/>
+              <a:buChar char="o"/>
+            </a:pPr>
+            <a:r>
+              <a:rPr lang="en-US" dirty="0"/>
+              <a:t>We have collected the data from </a:t>
+            </a:r>
+            <a:r>
+              <a:rPr lang="en-US" dirty="0">
+                <a:solidFill>
+                  <a:srgbClr val="FFFF00"/>
+                </a:solidFill>
+                <a:hlinkClick r:id="rId2">
+                  <a:extLst>
+                    <a:ext uri="{A12FA001-AC4F-418D-AE19-62706E023703}">
+                      <ahyp:hlinkClr xmlns:ahyp="http://schemas.microsoft.com/office/drawing/2018/hyperlinkcolor" val="tx"/>
+                    </a:ext>
+                  </a:extLst>
+                </a:hlinkClick>
+              </a:rPr>
+              <a:t>https://abdokamel.github.io/sidd/</a:t>
+            </a:r>
+            <a:r>
+              <a:rPr lang="en-US" dirty="0">
+                <a:solidFill>
+                  <a:srgbClr val="FFFF00"/>
+                </a:solidFill>
+              </a:rPr>
+              <a:t> </a:t>
+            </a:r>
+          </a:p>
+          <a:p>
+            <a:pPr marL="285750" indent="-285750">
+              <a:buFont typeface="Courier New" panose="02070309020205020404" pitchFamily="49" charset="0"/>
+              <a:buChar char="o"/>
+            </a:pPr>
+            <a:r>
+              <a:rPr lang="en-US" dirty="0"/>
+              <a:t>Data contains 320 pairs of Noisy and True images.</a:t>
+            </a:r>
+          </a:p>
+          <a:p>
+            <a:pPr marL="285750" indent="-285750">
+              <a:buFont typeface="Courier New" panose="02070309020205020404" pitchFamily="49" charset="0"/>
+              <a:buChar char="o"/>
+            </a:pPr>
+            <a:r>
+              <a:rPr lang="en-US" dirty="0"/>
+              <a:t>Images are from various scene with</a:t>
+            </a:r>
+          </a:p>
+          <a:p>
+            <a:r>
+              <a:rPr lang="en-US" dirty="0"/>
+              <a:t>    different brightness, </a:t>
+            </a:r>
+            <a:r>
+              <a:rPr lang="en-US" dirty="0" err="1"/>
+              <a:t>Exposureand</a:t>
+            </a:r>
+            <a:r>
+              <a:rPr lang="en-US" dirty="0"/>
+              <a:t> lighting.    </a:t>
+            </a:r>
+          </a:p>
+        </p:txBody>
+      </p:sp>
+      <p:pic>
+        <p:nvPicPr>
+          <p:cNvPr id="9" name="Picture 8">
+            <a:extLst>
+              <a:ext uri="{FF2B5EF4-FFF2-40B4-BE49-F238E27FC236}">
+                <a16:creationId xmlns:a16="http://schemas.microsoft.com/office/drawing/2014/main" id="{7B6505A5-AA88-7AC6-AAFB-0C90DC20CB84}"/>
+              </a:ext>
+            </a:extLst>
+          </p:cNvPr>
+          <p:cNvPicPr>
+            <a:picLocks noChangeAspect="1"/>
+          </p:cNvPicPr>
+          <p:nvPr/>
+        </p:nvPicPr>
+        <p:blipFill>
+          <a:blip r:embed="rId3">
+            <a:extLst>
+              <a:ext uri="{28A0092B-C50C-407E-A947-70E740481C1C}">
+                <a14:useLocalDpi xmlns:a14="http://schemas.microsoft.com/office/drawing/2010/main" val="0"/>
+              </a:ext>
+            </a:extLst>
+          </a:blip>
+          <a:stretch>
+            <a:fillRect/>
+          </a:stretch>
+        </p:blipFill>
+        <p:spPr>
+          <a:xfrm>
+            <a:off x="1395165" y="2670911"/>
+            <a:ext cx="8359767" cy="1586615"/>
+          </a:xfrm>
+          <a:prstGeom prst="rect">
+            <a:avLst/>
+          </a:prstGeom>
+        </p:spPr>
+      </p:pic>
+      <p:sp>
+        <p:nvSpPr>
+          <p:cNvPr id="18" name="TextBox 17">
+            <a:extLst>
+              <a:ext uri="{FF2B5EF4-FFF2-40B4-BE49-F238E27FC236}">
+                <a16:creationId xmlns:a16="http://schemas.microsoft.com/office/drawing/2014/main" id="{FD9D0960-6312-2BA4-D537-7E7E93B5C7CE}"/>
+              </a:ext>
+            </a:extLst>
+          </p:cNvPr>
+          <p:cNvSpPr txBox="1"/>
+          <p:nvPr/>
+        </p:nvSpPr>
+        <p:spPr>
+          <a:xfrm>
+            <a:off x="4093605" y="6066148"/>
+            <a:ext cx="2245922" cy="369332"/>
+          </a:xfrm>
+          <a:prstGeom prst="rect">
+            <a:avLst/>
+          </a:prstGeom>
+          <a:noFill/>
+        </p:spPr>
+        <p:txBody>
+          <a:bodyPr wrap="square" rtlCol="0">
+            <a:spAutoFit/>
+          </a:bodyPr>
+          <a:lstStyle/>
+          <a:p>
+            <a:r>
+              <a:rPr lang="en-US" dirty="0"/>
+              <a:t>Zoomed Noisy Image</a:t>
+            </a:r>
+            <a:endParaRPr lang="en-IN" dirty="0"/>
+          </a:p>
+        </p:txBody>
+      </p:sp>
+      <p:sp>
+        <p:nvSpPr>
+          <p:cNvPr id="19" name="TextBox 18">
+            <a:extLst>
+              <a:ext uri="{FF2B5EF4-FFF2-40B4-BE49-F238E27FC236}">
+                <a16:creationId xmlns:a16="http://schemas.microsoft.com/office/drawing/2014/main" id="{0A87F812-514F-B545-56FE-F40F0BBEEEB3}"/>
+              </a:ext>
+            </a:extLst>
+          </p:cNvPr>
+          <p:cNvSpPr txBox="1"/>
+          <p:nvPr/>
+        </p:nvSpPr>
+        <p:spPr>
+          <a:xfrm>
+            <a:off x="6847805" y="6072035"/>
+            <a:ext cx="2245922" cy="369332"/>
+          </a:xfrm>
+          <a:prstGeom prst="rect">
+            <a:avLst/>
+          </a:prstGeom>
+          <a:noFill/>
+        </p:spPr>
+        <p:txBody>
+          <a:bodyPr wrap="square" rtlCol="0">
+            <a:spAutoFit/>
+          </a:bodyPr>
+          <a:lstStyle/>
+          <a:p>
+            <a:r>
+              <a:rPr lang="en-US" dirty="0"/>
+              <a:t>Zoomed True Image</a:t>
+            </a:r>
+            <a:endParaRPr lang="en-IN" dirty="0"/>
+          </a:p>
+        </p:txBody>
+      </p:sp>
+    </p:spTree>
+    <p:extLst>
+      <p:ext uri="{BB962C8B-B14F-4D97-AF65-F5344CB8AC3E}">
+        <p14:creationId xmlns:p14="http://schemas.microsoft.com/office/powerpoint/2010/main" val="2529983736"/>
+      </p:ext>
+    </p:extLst>
+  </p:cSld>
+  <p:clrMapOvr>
+    <a:masterClrMapping/>
+  </p:clrMapOvr>
+</p:sld>
+</file>
+
+<file path=ppt/slides/slide6.xml><?xml version="1.0" encoding="utf-8"?>
+<p:sld xmlns:a="http://schemas.openxmlformats.org/drawingml/2006/main" xmlns:r="http://schemas.openxmlformats.org/officeDocument/2006/relationships" xmlns:p="http://schemas.openxmlformats.org/presentationml/2006/main">
+  <p:cSld>
+    <p:spTree>
+      <p:nvGrpSpPr>
+        <p:cNvPr id="1" name=""/>
+        <p:cNvGrpSpPr/>
+        <p:nvPr/>
+      </p:nvGrpSpPr>
+      <p:grpSpPr>
+        <a:xfrm>
+          <a:off x="0" y="0"/>
+          <a:ext cx="0" cy="0"/>
+          <a:chOff x="0" y="0"/>
+          <a:chExt cx="0" cy="0"/>
+        </a:xfrm>
+      </p:grpSpPr>
+    </p:spTree>
+    <p:extLst>
+      <p:ext uri="{BB962C8B-B14F-4D97-AF65-F5344CB8AC3E}">
+        <p14:creationId xmlns:p14="http://schemas.microsoft.com/office/powerpoint/2010/main" val="929679379"/>
+      </p:ext>
+    </p:extLst>
+  </p:cSld>
+  <p:clrMapOvr>
+    <a:masterClrMapping/>
+  </p:clrMapOvr>
+</p:sld>
+</file>
+
+<file path=ppt/slides/slide7.xml><?xml version="1.0" encoding="utf-8"?>
+<p:sld xmlns:a="http://schemas.openxmlformats.org/drawingml/2006/main" xmlns:r="http://schemas.openxmlformats.org/officeDocument/2006/relationships" xmlns:p="http://schemas.openxmlformats.org/presentationml/2006/main">
+  <p:cSld>
+    <p:spTree>
+      <p:nvGrpSpPr>
+        <p:cNvPr id="1" name=""/>
+        <p:cNvGrpSpPr/>
+        <p:nvPr/>
+      </p:nvGrpSpPr>
+      <p:grpSpPr>
+        <a:xfrm>
+          <a:off x="0" y="0"/>
+          <a:ext cx="0" cy="0"/>
+          <a:chOff x="0" y="0"/>
+          <a:chExt cx="0" cy="0"/>
+        </a:xfrm>
+      </p:grpSpPr>
+      <p:sp>
+        <p:nvSpPr>
+          <p:cNvPr id="2" name="TextBox 1">
+            <a:extLst>
+              <a:ext uri="{FF2B5EF4-FFF2-40B4-BE49-F238E27FC236}">
                 <a16:creationId xmlns:a16="http://schemas.microsoft.com/office/drawing/2014/main" id="{D2B07FF2-C677-4B4E-AF58-D043D41B9AB3}"/>
               </a:ext>
             </a:extLst>

--- a/class/ML/ML_project/ml_project_proposal_uddalak_mukherjee_biswajit_rana/ML_Project_Update.pptx
+++ b/class/ML/ML_project/ml_project_proposal_uddalak_mukherjee_biswajit_rana/ML_Project_Update.pptx
@@ -7,11 +7,10 @@
   <p:sldIdLst>
     <p:sldId id="267" r:id="rId2"/>
     <p:sldId id="280" r:id="rId3"/>
-    <p:sldId id="276" r:id="rId4"/>
-    <p:sldId id="277" r:id="rId5"/>
-    <p:sldId id="281" r:id="rId6"/>
-    <p:sldId id="282" r:id="rId7"/>
-    <p:sldId id="270" r:id="rId8"/>
+    <p:sldId id="281" r:id="rId4"/>
+    <p:sldId id="282" r:id="rId5"/>
+    <p:sldId id="283" r:id="rId6"/>
+    <p:sldId id="270" r:id="rId7"/>
   </p:sldIdLst>
   <p:sldSz cx="12192000" cy="6858000"/>
   <p:notesSz cx="6858000" cy="9144000"/>
@@ -187,7 +186,7 @@
           <a:noFill/>
           <a:extLst>
             <a:ext uri="{909E8E84-426E-40dd-AFC4-6F175D3DCCD1}">
-              <a14:hiddenFill xmlns="" xmlns:a14="http://schemas.microsoft.com/office/drawing/2010/main">
+              <a14:hiddenFill xmlns:a14="http://schemas.microsoft.com/office/drawing/2010/main" xmlns="">
                 <a:solidFill>
                   <a:srgbClr val="FFFFFF"/>
                 </a:solidFill>
@@ -246,7 +245,7 @@
             </a:ln>
             <a:extLst>
               <a:ext uri="{91240B29-F687-4f45-9708-019B960494DF}">
-                <a14:hiddenLine xmlns="" xmlns:a14="http://schemas.microsoft.com/office/drawing/2010/main" w="9525">
+                <a14:hiddenLine xmlns:a14="http://schemas.microsoft.com/office/drawing/2010/main" xmlns="" w="9525">
                   <a:solidFill>
                     <a:srgbClr val="000000"/>
                   </a:solidFill>
@@ -336,7 +335,7 @@
             </a:ln>
             <a:extLst>
               <a:ext uri="{91240B29-F687-4f45-9708-019B960494DF}">
-                <a14:hiddenLine xmlns="" xmlns:a14="http://schemas.microsoft.com/office/drawing/2010/main" w="9525">
+                <a14:hiddenLine xmlns:a14="http://schemas.microsoft.com/office/drawing/2010/main" xmlns="" w="9525">
                   <a:solidFill>
                     <a:srgbClr val="000000"/>
                   </a:solidFill>
@@ -426,7 +425,7 @@
             </a:ln>
             <a:extLst>
               <a:ext uri="{91240B29-F687-4f45-9708-019B960494DF}">
-                <a14:hiddenLine xmlns="" xmlns:a14="http://schemas.microsoft.com/office/drawing/2010/main" w="9525">
+                <a14:hiddenLine xmlns:a14="http://schemas.microsoft.com/office/drawing/2010/main" xmlns="" w="9525">
                   <a:solidFill>
                     <a:srgbClr val="000000"/>
                   </a:solidFill>
@@ -460,7 +459,7 @@
             </a:ln>
             <a:extLst>
               <a:ext uri="{91240B29-F687-4f45-9708-019B960494DF}">
-                <a14:hiddenLine xmlns="" xmlns:a14="http://schemas.microsoft.com/office/drawing/2010/main" w="9525">
+                <a14:hiddenLine xmlns:a14="http://schemas.microsoft.com/office/drawing/2010/main" xmlns="" w="9525">
                   <a:solidFill>
                     <a:srgbClr val="000000"/>
                   </a:solidFill>
@@ -550,7 +549,7 @@
             </a:ln>
             <a:extLst>
               <a:ext uri="{91240B29-F687-4f45-9708-019B960494DF}">
-                <a14:hiddenLine xmlns="" xmlns:a14="http://schemas.microsoft.com/office/drawing/2010/main" w="9525">
+                <a14:hiddenLine xmlns:a14="http://schemas.microsoft.com/office/drawing/2010/main" xmlns="" w="9525">
                   <a:solidFill>
                     <a:srgbClr val="000000"/>
                   </a:solidFill>
@@ -612,7 +611,7 @@
             </a:ln>
             <a:extLst>
               <a:ext uri="{91240B29-F687-4f45-9708-019B960494DF}">
-                <a14:hiddenLine xmlns="" xmlns:a14="http://schemas.microsoft.com/office/drawing/2010/main" w="9525">
+                <a14:hiddenLine xmlns:a14="http://schemas.microsoft.com/office/drawing/2010/main" xmlns="" w="9525">
                   <a:solidFill>
                     <a:srgbClr val="000000"/>
                   </a:solidFill>
@@ -674,7 +673,7 @@
             </a:ln>
             <a:extLst>
               <a:ext uri="{91240B29-F687-4f45-9708-019B960494DF}">
-                <a14:hiddenLine xmlns="" xmlns:a14="http://schemas.microsoft.com/office/drawing/2010/main" w="9525">
+                <a14:hiddenLine xmlns:a14="http://schemas.microsoft.com/office/drawing/2010/main" xmlns="" w="9525">
                   <a:solidFill>
                     <a:srgbClr val="000000"/>
                   </a:solidFill>
@@ -764,7 +763,7 @@
             </a:ln>
             <a:extLst>
               <a:ext uri="{91240B29-F687-4f45-9708-019B960494DF}">
-                <a14:hiddenLine xmlns="" xmlns:a14="http://schemas.microsoft.com/office/drawing/2010/main" w="9525">
+                <a14:hiddenLine xmlns:a14="http://schemas.microsoft.com/office/drawing/2010/main" xmlns="" w="9525">
                   <a:solidFill>
                     <a:srgbClr val="000000"/>
                   </a:solidFill>
@@ -826,7 +825,7 @@
             </a:ln>
             <a:extLst>
               <a:ext uri="{91240B29-F687-4f45-9708-019B960494DF}">
-                <a14:hiddenLine xmlns="" xmlns:a14="http://schemas.microsoft.com/office/drawing/2010/main" w="9525">
+                <a14:hiddenLine xmlns:a14="http://schemas.microsoft.com/office/drawing/2010/main" xmlns="" w="9525">
                   <a:solidFill>
                     <a:srgbClr val="000000"/>
                   </a:solidFill>
@@ -888,7 +887,7 @@
             </a:ln>
             <a:extLst>
               <a:ext uri="{91240B29-F687-4f45-9708-019B960494DF}">
-                <a14:hiddenLine xmlns="" xmlns:a14="http://schemas.microsoft.com/office/drawing/2010/main" w="9525">
+                <a14:hiddenLine xmlns:a14="http://schemas.microsoft.com/office/drawing/2010/main" xmlns="" w="9525">
                   <a:solidFill>
                     <a:srgbClr val="000000"/>
                   </a:solidFill>
@@ -978,7 +977,7 @@
             </a:ln>
             <a:extLst>
               <a:ext uri="{91240B29-F687-4f45-9708-019B960494DF}">
-                <a14:hiddenLine xmlns="" xmlns:a14="http://schemas.microsoft.com/office/drawing/2010/main" w="9525">
+                <a14:hiddenLine xmlns:a14="http://schemas.microsoft.com/office/drawing/2010/main" xmlns="" w="9525">
                   <a:solidFill>
                     <a:srgbClr val="000000"/>
                   </a:solidFill>
@@ -1068,7 +1067,7 @@
             </a:ln>
             <a:extLst>
               <a:ext uri="{91240B29-F687-4f45-9708-019B960494DF}">
-                <a14:hiddenLine xmlns="" xmlns:a14="http://schemas.microsoft.com/office/drawing/2010/main" w="9525">
+                <a14:hiddenLine xmlns:a14="http://schemas.microsoft.com/office/drawing/2010/main" xmlns="" w="9525">
                   <a:solidFill>
                     <a:srgbClr val="000000"/>
                   </a:solidFill>
@@ -1130,7 +1129,7 @@
             </a:ln>
             <a:extLst>
               <a:ext uri="{91240B29-F687-4f45-9708-019B960494DF}">
-                <a14:hiddenLine xmlns="" xmlns:a14="http://schemas.microsoft.com/office/drawing/2010/main" w="9525">
+                <a14:hiddenLine xmlns:a14="http://schemas.microsoft.com/office/drawing/2010/main" xmlns="" w="9525">
                   <a:solidFill>
                     <a:srgbClr val="000000"/>
                   </a:solidFill>
@@ -1240,7 +1239,7 @@
             </a:ln>
             <a:extLst>
               <a:ext uri="{91240B29-F687-4f45-9708-019B960494DF}">
-                <a14:hiddenLine xmlns="" xmlns:a14="http://schemas.microsoft.com/office/drawing/2010/main" w="9525">
+                <a14:hiddenLine xmlns:a14="http://schemas.microsoft.com/office/drawing/2010/main" xmlns="" w="9525">
                   <a:solidFill>
                     <a:srgbClr val="000000"/>
                   </a:solidFill>
@@ -1302,7 +1301,7 @@
             </a:ln>
             <a:extLst>
               <a:ext uri="{91240B29-F687-4f45-9708-019B960494DF}">
-                <a14:hiddenLine xmlns="" xmlns:a14="http://schemas.microsoft.com/office/drawing/2010/main" w="9525">
+                <a14:hiddenLine xmlns:a14="http://schemas.microsoft.com/office/drawing/2010/main" xmlns="" w="9525">
                   <a:solidFill>
                     <a:srgbClr val="000000"/>
                   </a:solidFill>
@@ -1392,7 +1391,7 @@
             </a:ln>
             <a:extLst>
               <a:ext uri="{91240B29-F687-4f45-9708-019B960494DF}">
-                <a14:hiddenLine xmlns="" xmlns:a14="http://schemas.microsoft.com/office/drawing/2010/main" w="9525">
+                <a14:hiddenLine xmlns:a14="http://schemas.microsoft.com/office/drawing/2010/main" xmlns="" w="9525">
                   <a:solidFill>
                     <a:srgbClr val="000000"/>
                   </a:solidFill>
@@ -1482,7 +1481,7 @@
             </a:ln>
             <a:extLst>
               <a:ext uri="{91240B29-F687-4f45-9708-019B960494DF}">
-                <a14:hiddenLine xmlns="" xmlns:a14="http://schemas.microsoft.com/office/drawing/2010/main" w="9525">
+                <a14:hiddenLine xmlns:a14="http://schemas.microsoft.com/office/drawing/2010/main" xmlns="" w="9525">
                   <a:solidFill>
                     <a:srgbClr val="000000"/>
                   </a:solidFill>
@@ -1544,7 +1543,7 @@
             </a:ln>
             <a:extLst>
               <a:ext uri="{91240B29-F687-4f45-9708-019B960494DF}">
-                <a14:hiddenLine xmlns="" xmlns:a14="http://schemas.microsoft.com/office/drawing/2010/main" w="9525">
+                <a14:hiddenLine xmlns:a14="http://schemas.microsoft.com/office/drawing/2010/main" xmlns="" w="9525">
                   <a:solidFill>
                     <a:srgbClr val="000000"/>
                   </a:solidFill>
@@ -1634,7 +1633,7 @@
             </a:ln>
             <a:extLst>
               <a:ext uri="{91240B29-F687-4f45-9708-019B960494DF}">
-                <a14:hiddenLine xmlns="" xmlns:a14="http://schemas.microsoft.com/office/drawing/2010/main" w="9525">
+                <a14:hiddenLine xmlns:a14="http://schemas.microsoft.com/office/drawing/2010/main" xmlns="" w="9525">
                   <a:solidFill>
                     <a:srgbClr val="000000"/>
                   </a:solidFill>
@@ -1724,7 +1723,7 @@
             </a:ln>
             <a:extLst>
               <a:ext uri="{91240B29-F687-4f45-9708-019B960494DF}">
-                <a14:hiddenLine xmlns="" xmlns:a14="http://schemas.microsoft.com/office/drawing/2010/main" w="9525">
+                <a14:hiddenLine xmlns:a14="http://schemas.microsoft.com/office/drawing/2010/main" xmlns="" w="9525">
                   <a:solidFill>
                     <a:srgbClr val="000000"/>
                   </a:solidFill>
@@ -1780,7 +1779,7 @@
             </a:ln>
             <a:extLst>
               <a:ext uri="{91240B29-F687-4f45-9708-019B960494DF}">
-                <a14:hiddenLine xmlns="" xmlns:a14="http://schemas.microsoft.com/office/drawing/2010/main" w="9525">
+                <a14:hiddenLine xmlns:a14="http://schemas.microsoft.com/office/drawing/2010/main" xmlns="" w="9525">
                   <a:solidFill>
                     <a:srgbClr val="000000"/>
                   </a:solidFill>
@@ -1870,7 +1869,7 @@
             </a:ln>
             <a:extLst>
               <a:ext uri="{91240B29-F687-4f45-9708-019B960494DF}">
-                <a14:hiddenLine xmlns="" xmlns:a14="http://schemas.microsoft.com/office/drawing/2010/main" w="9525">
+                <a14:hiddenLine xmlns:a14="http://schemas.microsoft.com/office/drawing/2010/main" xmlns="" w="9525">
                   <a:solidFill>
                     <a:srgbClr val="000000"/>
                   </a:solidFill>
@@ -1926,7 +1925,7 @@
             </a:ln>
             <a:extLst>
               <a:ext uri="{91240B29-F687-4f45-9708-019B960494DF}">
-                <a14:hiddenLine xmlns="" xmlns:a14="http://schemas.microsoft.com/office/drawing/2010/main" w="9525">
+                <a14:hiddenLine xmlns:a14="http://schemas.microsoft.com/office/drawing/2010/main" xmlns="" w="9525">
                   <a:solidFill>
                     <a:srgbClr val="000000"/>
                   </a:solidFill>
@@ -2016,7 +2015,7 @@
             </a:ln>
             <a:extLst>
               <a:ext uri="{91240B29-F687-4f45-9708-019B960494DF}">
-                <a14:hiddenLine xmlns="" xmlns:a14="http://schemas.microsoft.com/office/drawing/2010/main" w="9525">
+                <a14:hiddenLine xmlns:a14="http://schemas.microsoft.com/office/drawing/2010/main" xmlns="" w="9525">
                   <a:solidFill>
                     <a:srgbClr val="000000"/>
                   </a:solidFill>
@@ -2084,7 +2083,7 @@
             </a:ln>
             <a:extLst>
               <a:ext uri="{91240B29-F687-4f45-9708-019B960494DF}">
-                <a14:hiddenLine xmlns="" xmlns:a14="http://schemas.microsoft.com/office/drawing/2010/main" w="9525">
+                <a14:hiddenLine xmlns:a14="http://schemas.microsoft.com/office/drawing/2010/main" xmlns="" w="9525">
                   <a:solidFill>
                     <a:srgbClr val="000000"/>
                   </a:solidFill>
@@ -2174,7 +2173,7 @@
             </a:ln>
             <a:extLst>
               <a:ext uri="{91240B29-F687-4f45-9708-019B960494DF}">
-                <a14:hiddenLine xmlns="" xmlns:a14="http://schemas.microsoft.com/office/drawing/2010/main" w="9525">
+                <a14:hiddenLine xmlns:a14="http://schemas.microsoft.com/office/drawing/2010/main" xmlns="" w="9525">
                   <a:solidFill>
                     <a:srgbClr val="000000"/>
                   </a:solidFill>
@@ -2242,7 +2241,7 @@
             </a:ln>
             <a:extLst>
               <a:ext uri="{91240B29-F687-4f45-9708-019B960494DF}">
-                <a14:hiddenLine xmlns="" xmlns:a14="http://schemas.microsoft.com/office/drawing/2010/main" w="9525">
+                <a14:hiddenLine xmlns:a14="http://schemas.microsoft.com/office/drawing/2010/main" xmlns="" w="9525">
                   <a:solidFill>
                     <a:srgbClr val="000000"/>
                   </a:solidFill>
@@ -2332,7 +2331,7 @@
             </a:ln>
             <a:extLst>
               <a:ext uri="{91240B29-F687-4f45-9708-019B960494DF}">
-                <a14:hiddenLine xmlns="" xmlns:a14="http://schemas.microsoft.com/office/drawing/2010/main" w="9525">
+                <a14:hiddenLine xmlns:a14="http://schemas.microsoft.com/office/drawing/2010/main" xmlns="" w="9525">
                   <a:solidFill>
                     <a:srgbClr val="000000"/>
                   </a:solidFill>
@@ -2366,7 +2365,7 @@
             </a:ln>
             <a:extLst>
               <a:ext uri="{91240B29-F687-4f45-9708-019B960494DF}">
-                <a14:hiddenLine xmlns="" xmlns:a14="http://schemas.microsoft.com/office/drawing/2010/main" w="9525">
+                <a14:hiddenLine xmlns:a14="http://schemas.microsoft.com/office/drawing/2010/main" xmlns="" w="9525">
                   <a:solidFill>
                     <a:srgbClr val="000000"/>
                   </a:solidFill>
@@ -2456,7 +2455,7 @@
             </a:ln>
             <a:extLst>
               <a:ext uri="{91240B29-F687-4f45-9708-019B960494DF}">
-                <a14:hiddenLine xmlns="" xmlns:a14="http://schemas.microsoft.com/office/drawing/2010/main" w="9525">
+                <a14:hiddenLine xmlns:a14="http://schemas.microsoft.com/office/drawing/2010/main" xmlns="" w="9525">
                   <a:solidFill>
                     <a:srgbClr val="000000"/>
                   </a:solidFill>
@@ -2518,7 +2517,7 @@
             </a:ln>
             <a:extLst>
               <a:ext uri="{91240B29-F687-4f45-9708-019B960494DF}">
-                <a14:hiddenLine xmlns="" xmlns:a14="http://schemas.microsoft.com/office/drawing/2010/main" w="9525">
+                <a14:hiddenLine xmlns:a14="http://schemas.microsoft.com/office/drawing/2010/main" xmlns="" w="9525">
                   <a:solidFill>
                     <a:srgbClr val="000000"/>
                   </a:solidFill>
@@ -2580,7 +2579,7 @@
             </a:ln>
             <a:extLst>
               <a:ext uri="{91240B29-F687-4f45-9708-019B960494DF}">
-                <a14:hiddenLine xmlns="" xmlns:a14="http://schemas.microsoft.com/office/drawing/2010/main" w="9525">
+                <a14:hiddenLine xmlns:a14="http://schemas.microsoft.com/office/drawing/2010/main" xmlns="" w="9525">
                   <a:solidFill>
                     <a:srgbClr val="000000"/>
                   </a:solidFill>
@@ -2670,7 +2669,7 @@
             </a:ln>
             <a:extLst>
               <a:ext uri="{91240B29-F687-4f45-9708-019B960494DF}">
-                <a14:hiddenLine xmlns="" xmlns:a14="http://schemas.microsoft.com/office/drawing/2010/main" w="9525">
+                <a14:hiddenLine xmlns:a14="http://schemas.microsoft.com/office/drawing/2010/main" xmlns="" w="9525">
                   <a:solidFill>
                     <a:srgbClr val="000000"/>
                   </a:solidFill>
@@ -2738,7 +2737,7 @@
             </a:ln>
             <a:extLst>
               <a:ext uri="{91240B29-F687-4f45-9708-019B960494DF}">
-                <a14:hiddenLine xmlns="" xmlns:a14="http://schemas.microsoft.com/office/drawing/2010/main" w="9525">
+                <a14:hiddenLine xmlns:a14="http://schemas.microsoft.com/office/drawing/2010/main" xmlns="" w="9525">
                   <a:solidFill>
                     <a:srgbClr val="000000"/>
                   </a:solidFill>
@@ -2800,7 +2799,7 @@
             </a:ln>
             <a:extLst>
               <a:ext uri="{91240B29-F687-4f45-9708-019B960494DF}">
-                <a14:hiddenLine xmlns="" xmlns:a14="http://schemas.microsoft.com/office/drawing/2010/main" w="9525">
+                <a14:hiddenLine xmlns:a14="http://schemas.microsoft.com/office/drawing/2010/main" xmlns="" w="9525">
                   <a:solidFill>
                     <a:srgbClr val="000000"/>
                   </a:solidFill>
@@ -2890,7 +2889,7 @@
             </a:ln>
             <a:extLst>
               <a:ext uri="{91240B29-F687-4f45-9708-019B960494DF}">
-                <a14:hiddenLine xmlns="" xmlns:a14="http://schemas.microsoft.com/office/drawing/2010/main" w="9525">
+                <a14:hiddenLine xmlns:a14="http://schemas.microsoft.com/office/drawing/2010/main" xmlns="" w="9525">
                   <a:solidFill>
                     <a:srgbClr val="000000"/>
                   </a:solidFill>
@@ -2952,7 +2951,7 @@
             </a:ln>
             <a:extLst>
               <a:ext uri="{91240B29-F687-4f45-9708-019B960494DF}">
-                <a14:hiddenLine xmlns="" xmlns:a14="http://schemas.microsoft.com/office/drawing/2010/main" w="9525">
+                <a14:hiddenLine xmlns:a14="http://schemas.microsoft.com/office/drawing/2010/main" xmlns="" w="9525">
                   <a:solidFill>
                     <a:srgbClr val="000000"/>
                   </a:solidFill>
@@ -3042,7 +3041,7 @@
             </a:ln>
             <a:extLst>
               <a:ext uri="{91240B29-F687-4f45-9708-019B960494DF}">
-                <a14:hiddenLine xmlns="" xmlns:a14="http://schemas.microsoft.com/office/drawing/2010/main" w="9525">
+                <a14:hiddenLine xmlns:a14="http://schemas.microsoft.com/office/drawing/2010/main" xmlns="" w="9525">
                   <a:solidFill>
                     <a:srgbClr val="000000"/>
                   </a:solidFill>
@@ -3104,7 +3103,7 @@
             </a:ln>
             <a:extLst>
               <a:ext uri="{91240B29-F687-4f45-9708-019B960494DF}">
-                <a14:hiddenLine xmlns="" xmlns:a14="http://schemas.microsoft.com/office/drawing/2010/main" w="9525">
+                <a14:hiddenLine xmlns:a14="http://schemas.microsoft.com/office/drawing/2010/main" xmlns="" w="9525">
                   <a:solidFill>
                     <a:srgbClr val="000000"/>
                   </a:solidFill>
@@ -3194,7 +3193,7 @@
             </a:ln>
             <a:extLst>
               <a:ext uri="{91240B29-F687-4f45-9708-019B960494DF}">
-                <a14:hiddenLine xmlns="" xmlns:a14="http://schemas.microsoft.com/office/drawing/2010/main" w="9525">
+                <a14:hiddenLine xmlns:a14="http://schemas.microsoft.com/office/drawing/2010/main" xmlns="" w="9525">
                   <a:solidFill>
                     <a:srgbClr val="000000"/>
                   </a:solidFill>
@@ -3228,7 +3227,7 @@
             </a:ln>
             <a:extLst>
               <a:ext uri="{91240B29-F687-4f45-9708-019B960494DF}">
-                <a14:hiddenLine xmlns="" xmlns:a14="http://schemas.microsoft.com/office/drawing/2010/main" w="9525">
+                <a14:hiddenLine xmlns:a14="http://schemas.microsoft.com/office/drawing/2010/main" xmlns="" w="9525">
                   <a:solidFill>
                     <a:srgbClr val="000000"/>
                   </a:solidFill>
@@ -3293,7 +3292,7 @@
             </a:ln>
             <a:extLst>
               <a:ext uri="{91240B29-F687-4f45-9708-019B960494DF}">
-                <a14:hiddenLine xmlns="" xmlns:a14="http://schemas.microsoft.com/office/drawing/2010/main" w="9525">
+                <a14:hiddenLine xmlns:a14="http://schemas.microsoft.com/office/drawing/2010/main" xmlns="" w="9525">
                   <a:solidFill>
                     <a:srgbClr val="000000"/>
                   </a:solidFill>
@@ -3383,7 +3382,7 @@
             </a:ln>
             <a:extLst>
               <a:ext uri="{91240B29-F687-4f45-9708-019B960494DF}">
-                <a14:hiddenLine xmlns="" xmlns:a14="http://schemas.microsoft.com/office/drawing/2010/main" w="9525">
+                <a14:hiddenLine xmlns:a14="http://schemas.microsoft.com/office/drawing/2010/main" xmlns="" w="9525">
                   <a:solidFill>
                     <a:srgbClr val="000000"/>
                   </a:solidFill>
@@ -3445,7 +3444,7 @@
             </a:ln>
             <a:extLst>
               <a:ext uri="{91240B29-F687-4f45-9708-019B960494DF}">
-                <a14:hiddenLine xmlns="" xmlns:a14="http://schemas.microsoft.com/office/drawing/2010/main" w="9525">
+                <a14:hiddenLine xmlns:a14="http://schemas.microsoft.com/office/drawing/2010/main" xmlns="" w="9525">
                   <a:solidFill>
                     <a:srgbClr val="000000"/>
                   </a:solidFill>
@@ -3535,7 +3534,7 @@
             </a:ln>
             <a:extLst>
               <a:ext uri="{91240B29-F687-4f45-9708-019B960494DF}">
-                <a14:hiddenLine xmlns="" xmlns:a14="http://schemas.microsoft.com/office/drawing/2010/main" w="9525">
+                <a14:hiddenLine xmlns:a14="http://schemas.microsoft.com/office/drawing/2010/main" xmlns="" w="9525">
                   <a:solidFill>
                     <a:srgbClr val="000000"/>
                   </a:solidFill>
@@ -3625,7 +3624,7 @@
             </a:ln>
             <a:extLst>
               <a:ext uri="{91240B29-F687-4f45-9708-019B960494DF}">
-                <a14:hiddenLine xmlns="" xmlns:a14="http://schemas.microsoft.com/office/drawing/2010/main" w="9525">
+                <a14:hiddenLine xmlns:a14="http://schemas.microsoft.com/office/drawing/2010/main" xmlns="" w="9525">
                   <a:solidFill>
                     <a:srgbClr val="000000"/>
                   </a:solidFill>
@@ -3690,7 +3689,7 @@
             </a:ln>
             <a:extLst>
               <a:ext uri="{91240B29-F687-4f45-9708-019B960494DF}">
-                <a14:hiddenLine xmlns="" xmlns:a14="http://schemas.microsoft.com/office/drawing/2010/main" w="9525">
+                <a14:hiddenLine xmlns:a14="http://schemas.microsoft.com/office/drawing/2010/main" xmlns="" w="9525">
                   <a:solidFill>
                     <a:srgbClr val="000000"/>
                   </a:solidFill>
@@ -3752,7 +3751,7 @@
             </a:ln>
             <a:extLst>
               <a:ext uri="{91240B29-F687-4f45-9708-019B960494DF}">
-                <a14:hiddenLine xmlns="" xmlns:a14="http://schemas.microsoft.com/office/drawing/2010/main" w="9525">
+                <a14:hiddenLine xmlns:a14="http://schemas.microsoft.com/office/drawing/2010/main" xmlns="" w="9525">
                   <a:solidFill>
                     <a:srgbClr val="000000"/>
                   </a:solidFill>
@@ -3842,7 +3841,7 @@
             </a:ln>
             <a:extLst>
               <a:ext uri="{91240B29-F687-4f45-9708-019B960494DF}">
-                <a14:hiddenLine xmlns="" xmlns:a14="http://schemas.microsoft.com/office/drawing/2010/main" w="9525">
+                <a14:hiddenLine xmlns:a14="http://schemas.microsoft.com/office/drawing/2010/main" xmlns="" w="9525">
                   <a:solidFill>
                     <a:srgbClr val="000000"/>
                   </a:solidFill>
@@ -3932,7 +3931,7 @@
             </a:ln>
             <a:extLst>
               <a:ext uri="{91240B29-F687-4f45-9708-019B960494DF}">
-                <a14:hiddenLine xmlns="" xmlns:a14="http://schemas.microsoft.com/office/drawing/2010/main" w="9525">
+                <a14:hiddenLine xmlns:a14="http://schemas.microsoft.com/office/drawing/2010/main" xmlns="" w="9525">
                   <a:solidFill>
                     <a:srgbClr val="000000"/>
                   </a:solidFill>
@@ -3994,7 +3993,7 @@
             </a:ln>
             <a:extLst>
               <a:ext uri="{91240B29-F687-4f45-9708-019B960494DF}">
-                <a14:hiddenLine xmlns="" xmlns:a14="http://schemas.microsoft.com/office/drawing/2010/main" w="9525">
+                <a14:hiddenLine xmlns:a14="http://schemas.microsoft.com/office/drawing/2010/main" xmlns="" w="9525">
                   <a:solidFill>
                     <a:srgbClr val="000000"/>
                   </a:solidFill>
@@ -4114,7 +4113,7 @@
             </a:ln>
             <a:extLst>
               <a:ext uri="{91240B29-F687-4f45-9708-019B960494DF}">
-                <a14:hiddenLine xmlns="" xmlns:a14="http://schemas.microsoft.com/office/drawing/2010/main" w="9525">
+                <a14:hiddenLine xmlns:a14="http://schemas.microsoft.com/office/drawing/2010/main" xmlns="" w="9525">
                   <a:solidFill>
                     <a:srgbClr val="000000"/>
                   </a:solidFill>
@@ -4182,7 +4181,7 @@
             </a:ln>
             <a:extLst>
               <a:ext uri="{91240B29-F687-4f45-9708-019B960494DF}">
-                <a14:hiddenLine xmlns="" xmlns:a14="http://schemas.microsoft.com/office/drawing/2010/main" w="9525">
+                <a14:hiddenLine xmlns:a14="http://schemas.microsoft.com/office/drawing/2010/main" xmlns="" w="9525">
                   <a:solidFill>
                     <a:srgbClr val="000000"/>
                   </a:solidFill>
@@ -4272,7 +4271,7 @@
             </a:ln>
             <a:extLst>
               <a:ext uri="{91240B29-F687-4f45-9708-019B960494DF}">
-                <a14:hiddenLine xmlns="" xmlns:a14="http://schemas.microsoft.com/office/drawing/2010/main" w="9525">
+                <a14:hiddenLine xmlns:a14="http://schemas.microsoft.com/office/drawing/2010/main" xmlns="" w="9525">
                   <a:solidFill>
                     <a:srgbClr val="000000"/>
                   </a:solidFill>
@@ -9086,7 +9085,7 @@
           <a:noFill/>
           <a:extLst>
             <a:ext uri="{909E8E84-426E-40dd-AFC4-6F175D3DCCD1}">
-              <a14:hiddenFill xmlns="" xmlns:a14="http://schemas.microsoft.com/office/drawing/2010/main">
+              <a14:hiddenFill xmlns:a14="http://schemas.microsoft.com/office/drawing/2010/main" xmlns="">
                 <a:solidFill>
                   <a:srgbClr val="FFFFFF"/>
                 </a:solidFill>
@@ -9160,7 +9159,7 @@
               </a:ln>
               <a:extLst>
                 <a:ext uri="{91240B29-F687-4f45-9708-019B960494DF}">
-                  <a14:hiddenLine xmlns="" xmlns:a14="http://schemas.microsoft.com/office/drawing/2010/main" w="9525">
+                  <a14:hiddenLine xmlns:a14="http://schemas.microsoft.com/office/drawing/2010/main" xmlns="" w="9525">
                     <a:solidFill>
                       <a:srgbClr val="000000"/>
                     </a:solidFill>
@@ -9250,7 +9249,7 @@
               </a:ln>
               <a:extLst>
                 <a:ext uri="{91240B29-F687-4f45-9708-019B960494DF}">
-                  <a14:hiddenLine xmlns="" xmlns:a14="http://schemas.microsoft.com/office/drawing/2010/main" w="9525">
+                  <a14:hiddenLine xmlns:a14="http://schemas.microsoft.com/office/drawing/2010/main" xmlns="" w="9525">
                     <a:solidFill>
                       <a:srgbClr val="000000"/>
                     </a:solidFill>
@@ -9340,7 +9339,7 @@
               </a:ln>
               <a:extLst>
                 <a:ext uri="{91240B29-F687-4f45-9708-019B960494DF}">
-                  <a14:hiddenLine xmlns="" xmlns:a14="http://schemas.microsoft.com/office/drawing/2010/main" w="9525">
+                  <a14:hiddenLine xmlns:a14="http://schemas.microsoft.com/office/drawing/2010/main" xmlns="" w="9525">
                     <a:solidFill>
                       <a:srgbClr val="000000"/>
                     </a:solidFill>
@@ -9402,7 +9401,7 @@
               </a:ln>
               <a:extLst>
                 <a:ext uri="{91240B29-F687-4f45-9708-019B960494DF}">
-                  <a14:hiddenLine xmlns="" xmlns:a14="http://schemas.microsoft.com/office/drawing/2010/main" w="9525">
+                  <a14:hiddenLine xmlns:a14="http://schemas.microsoft.com/office/drawing/2010/main" xmlns="" w="9525">
                     <a:solidFill>
                       <a:srgbClr val="000000"/>
                     </a:solidFill>
@@ -9492,7 +9491,7 @@
               </a:ln>
               <a:extLst>
                 <a:ext uri="{91240B29-F687-4f45-9708-019B960494DF}">
-                  <a14:hiddenLine xmlns="" xmlns:a14="http://schemas.microsoft.com/office/drawing/2010/main" w="9525">
+                  <a14:hiddenLine xmlns:a14="http://schemas.microsoft.com/office/drawing/2010/main" xmlns="" w="9525">
                     <a:solidFill>
                       <a:srgbClr val="000000"/>
                     </a:solidFill>
@@ -9554,7 +9553,7 @@
               </a:ln>
               <a:extLst>
                 <a:ext uri="{91240B29-F687-4f45-9708-019B960494DF}">
-                  <a14:hiddenLine xmlns="" xmlns:a14="http://schemas.microsoft.com/office/drawing/2010/main" w="9525">
+                  <a14:hiddenLine xmlns:a14="http://schemas.microsoft.com/office/drawing/2010/main" xmlns="" w="9525">
                     <a:solidFill>
                       <a:srgbClr val="000000"/>
                     </a:solidFill>
@@ -9616,7 +9615,7 @@
               </a:ln>
               <a:extLst>
                 <a:ext uri="{91240B29-F687-4f45-9708-019B960494DF}">
-                  <a14:hiddenLine xmlns="" xmlns:a14="http://schemas.microsoft.com/office/drawing/2010/main" w="9525">
+                  <a14:hiddenLine xmlns:a14="http://schemas.microsoft.com/office/drawing/2010/main" xmlns="" w="9525">
                     <a:solidFill>
                       <a:srgbClr val="000000"/>
                     </a:solidFill>
@@ -9706,7 +9705,7 @@
               </a:ln>
               <a:extLst>
                 <a:ext uri="{91240B29-F687-4f45-9708-019B960494DF}">
-                  <a14:hiddenLine xmlns="" xmlns:a14="http://schemas.microsoft.com/office/drawing/2010/main" w="9525">
+                  <a14:hiddenLine xmlns:a14="http://schemas.microsoft.com/office/drawing/2010/main" xmlns="" w="9525">
                     <a:solidFill>
                       <a:srgbClr val="000000"/>
                     </a:solidFill>
@@ -9796,7 +9795,7 @@
               </a:ln>
               <a:extLst>
                 <a:ext uri="{91240B29-F687-4f45-9708-019B960494DF}">
-                  <a14:hiddenLine xmlns="" xmlns:a14="http://schemas.microsoft.com/office/drawing/2010/main" w="9525">
+                  <a14:hiddenLine xmlns:a14="http://schemas.microsoft.com/office/drawing/2010/main" xmlns="" w="9525">
                     <a:solidFill>
                       <a:srgbClr val="000000"/>
                     </a:solidFill>
@@ -9858,7 +9857,7 @@
               </a:ln>
               <a:extLst>
                 <a:ext uri="{91240B29-F687-4f45-9708-019B960494DF}">
-                  <a14:hiddenLine xmlns="" xmlns:a14="http://schemas.microsoft.com/office/drawing/2010/main" w="9525">
+                  <a14:hiddenLine xmlns:a14="http://schemas.microsoft.com/office/drawing/2010/main" xmlns="" w="9525">
                     <a:solidFill>
                       <a:srgbClr val="000000"/>
                     </a:solidFill>
@@ -9968,7 +9967,7 @@
               </a:ln>
               <a:extLst>
                 <a:ext uri="{91240B29-F687-4f45-9708-019B960494DF}">
-                  <a14:hiddenLine xmlns="" xmlns:a14="http://schemas.microsoft.com/office/drawing/2010/main" w="9525">
+                  <a14:hiddenLine xmlns:a14="http://schemas.microsoft.com/office/drawing/2010/main" xmlns="" w="9525">
                     <a:solidFill>
                       <a:srgbClr val="000000"/>
                     </a:solidFill>
@@ -10052,7 +10051,7 @@
               </a:ln>
               <a:extLst>
                 <a:ext uri="{91240B29-F687-4f45-9708-019B960494DF}">
-                  <a14:hiddenLine xmlns="" xmlns:a14="http://schemas.microsoft.com/office/drawing/2010/main" w="9525">
+                  <a14:hiddenLine xmlns:a14="http://schemas.microsoft.com/office/drawing/2010/main" xmlns="" w="9525">
                     <a:solidFill>
                       <a:srgbClr val="000000"/>
                     </a:solidFill>
@@ -10114,7 +10113,7 @@
               </a:ln>
               <a:extLst>
                 <a:ext uri="{91240B29-F687-4f45-9708-019B960494DF}">
-                  <a14:hiddenLine xmlns="" xmlns:a14="http://schemas.microsoft.com/office/drawing/2010/main" w="9525">
+                  <a14:hiddenLine xmlns:a14="http://schemas.microsoft.com/office/drawing/2010/main" xmlns="" w="9525">
                     <a:solidFill>
                       <a:srgbClr val="000000"/>
                     </a:solidFill>
@@ -10176,7 +10175,7 @@
               </a:ln>
               <a:extLst>
                 <a:ext uri="{91240B29-F687-4f45-9708-019B960494DF}">
-                  <a14:hiddenLine xmlns="" xmlns:a14="http://schemas.microsoft.com/office/drawing/2010/main" w="9525">
+                  <a14:hiddenLine xmlns:a14="http://schemas.microsoft.com/office/drawing/2010/main" xmlns="" w="9525">
                     <a:solidFill>
                       <a:srgbClr val="000000"/>
                     </a:solidFill>
@@ -10266,7 +10265,7 @@
               </a:ln>
               <a:extLst>
                 <a:ext uri="{91240B29-F687-4f45-9708-019B960494DF}">
-                  <a14:hiddenLine xmlns="" xmlns:a14="http://schemas.microsoft.com/office/drawing/2010/main" w="9525">
+                  <a14:hiddenLine xmlns:a14="http://schemas.microsoft.com/office/drawing/2010/main" xmlns="" w="9525">
                     <a:solidFill>
                       <a:srgbClr val="000000"/>
                     </a:solidFill>
@@ -10300,7 +10299,7 @@
               </a:ln>
               <a:extLst>
                 <a:ext uri="{91240B29-F687-4f45-9708-019B960494DF}">
-                  <a14:hiddenLine xmlns="" xmlns:a14="http://schemas.microsoft.com/office/drawing/2010/main" w="9525">
+                  <a14:hiddenLine xmlns:a14="http://schemas.microsoft.com/office/drawing/2010/main" xmlns="" w="9525">
                     <a:solidFill>
                       <a:srgbClr val="000000"/>
                     </a:solidFill>
@@ -10365,7 +10364,7 @@
               </a:ln>
               <a:extLst>
                 <a:ext uri="{91240B29-F687-4f45-9708-019B960494DF}">
-                  <a14:hiddenLine xmlns="" xmlns:a14="http://schemas.microsoft.com/office/drawing/2010/main" w="9525">
+                  <a14:hiddenLine xmlns:a14="http://schemas.microsoft.com/office/drawing/2010/main" xmlns="" w="9525">
                     <a:solidFill>
                       <a:srgbClr val="000000"/>
                     </a:solidFill>
@@ -10455,7 +10454,7 @@
               </a:ln>
               <a:extLst>
                 <a:ext uri="{91240B29-F687-4f45-9708-019B960494DF}">
-                  <a14:hiddenLine xmlns="" xmlns:a14="http://schemas.microsoft.com/office/drawing/2010/main" w="9525">
+                  <a14:hiddenLine xmlns:a14="http://schemas.microsoft.com/office/drawing/2010/main" xmlns="" w="9525">
                     <a:solidFill>
                       <a:srgbClr val="000000"/>
                     </a:solidFill>
@@ -10517,7 +10516,7 @@
               </a:ln>
               <a:extLst>
                 <a:ext uri="{91240B29-F687-4f45-9708-019B960494DF}">
-                  <a14:hiddenLine xmlns="" xmlns:a14="http://schemas.microsoft.com/office/drawing/2010/main" w="9525">
+                  <a14:hiddenLine xmlns:a14="http://schemas.microsoft.com/office/drawing/2010/main" xmlns="" w="9525">
                     <a:solidFill>
                       <a:srgbClr val="000000"/>
                     </a:solidFill>
@@ -10607,7 +10606,7 @@
               </a:ln>
               <a:extLst>
                 <a:ext uri="{91240B29-F687-4f45-9708-019B960494DF}">
-                  <a14:hiddenLine xmlns="" xmlns:a14="http://schemas.microsoft.com/office/drawing/2010/main" w="9525">
+                  <a14:hiddenLine xmlns:a14="http://schemas.microsoft.com/office/drawing/2010/main" xmlns="" w="9525">
                     <a:solidFill>
                       <a:srgbClr val="000000"/>
                     </a:solidFill>
@@ -10672,7 +10671,7 @@
               </a:ln>
               <a:extLst>
                 <a:ext uri="{91240B29-F687-4f45-9708-019B960494DF}">
-                  <a14:hiddenLine xmlns="" xmlns:a14="http://schemas.microsoft.com/office/drawing/2010/main" w="9525">
+                  <a14:hiddenLine xmlns:a14="http://schemas.microsoft.com/office/drawing/2010/main" xmlns="" w="9525">
                     <a:solidFill>
                       <a:srgbClr val="000000"/>
                     </a:solidFill>
@@ -10734,7 +10733,7 @@
               </a:ln>
               <a:extLst>
                 <a:ext uri="{91240B29-F687-4f45-9708-019B960494DF}">
-                  <a14:hiddenLine xmlns="" xmlns:a14="http://schemas.microsoft.com/office/drawing/2010/main" w="9525">
+                  <a14:hiddenLine xmlns:a14="http://schemas.microsoft.com/office/drawing/2010/main" xmlns="" w="9525">
                     <a:solidFill>
                       <a:srgbClr val="000000"/>
                     </a:solidFill>
@@ -10824,7 +10823,7 @@
               </a:ln>
               <a:extLst>
                 <a:ext uri="{91240B29-F687-4f45-9708-019B960494DF}">
-                  <a14:hiddenLine xmlns="" xmlns:a14="http://schemas.microsoft.com/office/drawing/2010/main" w="9525">
+                  <a14:hiddenLine xmlns:a14="http://schemas.microsoft.com/office/drawing/2010/main" xmlns="" w="9525">
                     <a:solidFill>
                       <a:srgbClr val="000000"/>
                     </a:solidFill>
@@ -10914,7 +10913,7 @@
               </a:ln>
               <a:extLst>
                 <a:ext uri="{91240B29-F687-4f45-9708-019B960494DF}">
-                  <a14:hiddenLine xmlns="" xmlns:a14="http://schemas.microsoft.com/office/drawing/2010/main" w="9525">
+                  <a14:hiddenLine xmlns:a14="http://schemas.microsoft.com/office/drawing/2010/main" xmlns="" w="9525">
                     <a:solidFill>
                       <a:srgbClr val="000000"/>
                     </a:solidFill>
@@ -10979,7 +10978,7 @@
               </a:ln>
               <a:extLst>
                 <a:ext uri="{91240B29-F687-4f45-9708-019B960494DF}">
-                  <a14:hiddenLine xmlns="" xmlns:a14="http://schemas.microsoft.com/office/drawing/2010/main" w="9525">
+                  <a14:hiddenLine xmlns:a14="http://schemas.microsoft.com/office/drawing/2010/main" xmlns="" w="9525">
                     <a:solidFill>
                       <a:srgbClr val="000000"/>
                     </a:solidFill>
@@ -11099,7 +11098,7 @@
               </a:ln>
               <a:extLst>
                 <a:ext uri="{91240B29-F687-4f45-9708-019B960494DF}">
-                  <a14:hiddenLine xmlns="" xmlns:a14="http://schemas.microsoft.com/office/drawing/2010/main" w="9525">
+                  <a14:hiddenLine xmlns:a14="http://schemas.microsoft.com/office/drawing/2010/main" xmlns="" w="9525">
                     <a:solidFill>
                       <a:srgbClr val="000000"/>
                     </a:solidFill>
@@ -11180,7 +11179,7 @@
               </a:ln>
               <a:extLst>
                 <a:ext uri="{91240B29-F687-4f45-9708-019B960494DF}">
-                  <a14:hiddenLine xmlns="" xmlns:a14="http://schemas.microsoft.com/office/drawing/2010/main" w="9525">
+                  <a14:hiddenLine xmlns:a14="http://schemas.microsoft.com/office/drawing/2010/main" xmlns="" w="9525">
                     <a:solidFill>
                       <a:srgbClr val="000000"/>
                     </a:solidFill>
@@ -11295,7 +11294,7 @@
               </a:ln>
               <a:extLst>
                 <a:ext uri="{91240B29-F687-4f45-9708-019B960494DF}">
-                  <a14:hiddenLine xmlns="" xmlns:a14="http://schemas.microsoft.com/office/drawing/2010/main" w="9525">
+                  <a14:hiddenLine xmlns:a14="http://schemas.microsoft.com/office/drawing/2010/main" xmlns="" w="9525">
                     <a:solidFill>
                       <a:srgbClr val="000000"/>
                     </a:solidFill>
@@ -11385,7 +11384,7 @@
               </a:ln>
               <a:extLst>
                 <a:ext uri="{91240B29-F687-4f45-9708-019B960494DF}">
-                  <a14:hiddenLine xmlns="" xmlns:a14="http://schemas.microsoft.com/office/drawing/2010/main" w="9525">
+                  <a14:hiddenLine xmlns:a14="http://schemas.microsoft.com/office/drawing/2010/main" xmlns="" w="9525">
                     <a:solidFill>
                       <a:srgbClr val="000000"/>
                     </a:solidFill>
@@ -11450,7 +11449,7 @@
               </a:ln>
               <a:extLst>
                 <a:ext uri="{91240B29-F687-4f45-9708-019B960494DF}">
-                  <a14:hiddenLine xmlns="" xmlns:a14="http://schemas.microsoft.com/office/drawing/2010/main" w="9525">
+                  <a14:hiddenLine xmlns:a14="http://schemas.microsoft.com/office/drawing/2010/main" xmlns="" w="9525">
                     <a:solidFill>
                       <a:srgbClr val="000000"/>
                     </a:solidFill>
@@ -11540,7 +11539,7 @@
               </a:ln>
               <a:extLst>
                 <a:ext uri="{91240B29-F687-4f45-9708-019B960494DF}">
-                  <a14:hiddenLine xmlns="" xmlns:a14="http://schemas.microsoft.com/office/drawing/2010/main" w="9525">
+                  <a14:hiddenLine xmlns:a14="http://schemas.microsoft.com/office/drawing/2010/main" xmlns="" w="9525">
                     <a:solidFill>
                       <a:srgbClr val="000000"/>
                     </a:solidFill>
@@ -11608,7 +11607,7 @@
               </a:ln>
               <a:extLst>
                 <a:ext uri="{91240B29-F687-4f45-9708-019B960494DF}">
-                  <a14:hiddenLine xmlns="" xmlns:a14="http://schemas.microsoft.com/office/drawing/2010/main" w="9525">
+                  <a14:hiddenLine xmlns:a14="http://schemas.microsoft.com/office/drawing/2010/main" xmlns="" w="9525">
                     <a:solidFill>
                       <a:srgbClr val="000000"/>
                     </a:solidFill>
@@ -11698,7 +11697,7 @@
               </a:ln>
               <a:extLst>
                 <a:ext uri="{91240B29-F687-4f45-9708-019B960494DF}">
-                  <a14:hiddenLine xmlns="" xmlns:a14="http://schemas.microsoft.com/office/drawing/2010/main" w="9525">
+                  <a14:hiddenLine xmlns:a14="http://schemas.microsoft.com/office/drawing/2010/main" xmlns="" w="9525">
                     <a:solidFill>
                       <a:srgbClr val="000000"/>
                     </a:solidFill>
@@ -11766,7 +11765,7 @@
               </a:ln>
               <a:extLst>
                 <a:ext uri="{91240B29-F687-4f45-9708-019B960494DF}">
-                  <a14:hiddenLine xmlns="" xmlns:a14="http://schemas.microsoft.com/office/drawing/2010/main" w="9525">
+                  <a14:hiddenLine xmlns:a14="http://schemas.microsoft.com/office/drawing/2010/main" xmlns="" w="9525">
                     <a:solidFill>
                       <a:srgbClr val="000000"/>
                     </a:solidFill>
@@ -11856,7 +11855,7 @@
               </a:ln>
               <a:extLst>
                 <a:ext uri="{91240B29-F687-4f45-9708-019B960494DF}">
-                  <a14:hiddenLine xmlns="" xmlns:a14="http://schemas.microsoft.com/office/drawing/2010/main" w="9525">
+                  <a14:hiddenLine xmlns:a14="http://schemas.microsoft.com/office/drawing/2010/main" xmlns="" w="9525">
                     <a:solidFill>
                       <a:srgbClr val="000000"/>
                     </a:solidFill>
@@ -11890,7 +11889,7 @@
               </a:ln>
               <a:extLst>
                 <a:ext uri="{91240B29-F687-4f45-9708-019B960494DF}">
-                  <a14:hiddenLine xmlns="" xmlns:a14="http://schemas.microsoft.com/office/drawing/2010/main" w="9525">
+                  <a14:hiddenLine xmlns:a14="http://schemas.microsoft.com/office/drawing/2010/main" xmlns="" w="9525">
                     <a:solidFill>
                       <a:srgbClr val="000000"/>
                     </a:solidFill>
@@ -13224,1402 +13223,6 @@
       </p:grpSpPr>
       <p:sp>
         <p:nvSpPr>
-          <p:cNvPr id="3" name="TextBox 2">
-            <a:extLst>
-              <a:ext uri="{FF2B5EF4-FFF2-40B4-BE49-F238E27FC236}">
-                <a16:creationId xmlns:a16="http://schemas.microsoft.com/office/drawing/2014/main" id="{6990BF14-812C-0C11-C468-3FE5DFCFFE50}"/>
-              </a:ext>
-            </a:extLst>
-          </p:cNvPr>
-          <p:cNvSpPr txBox="1"/>
-          <p:nvPr/>
-        </p:nvSpPr>
-        <p:spPr>
-          <a:xfrm>
-            <a:off x="1006312" y="607186"/>
-            <a:ext cx="6280608" cy="646331"/>
-          </a:xfrm>
-          <a:prstGeom prst="rect">
-            <a:avLst/>
-          </a:prstGeom>
-          <a:noFill/>
-        </p:spPr>
-        <p:txBody>
-          <a:bodyPr wrap="square">
-            <a:spAutoFit/>
-          </a:bodyPr>
-          <a:lstStyle/>
-          <a:p>
-            <a:pPr marL="576072" indent="-576072" algn="l" rtl="0" eaLnBrk="1" latinLnBrk="0" hangingPunct="1">
-              <a:spcBef>
-                <a:spcPts val="0"/>
-              </a:spcBef>
-              <a:spcAft>
-                <a:spcPts val="0"/>
-              </a:spcAft>
-              <a:buClrTx/>
-              <a:buSzPts val="3600"/>
-              <a:buFont typeface="Wingdings" panose="05000000000000000000" pitchFamily="2" charset="2"/>
-              <a:buChar char="Ø"/>
-            </a:pPr>
-            <a:r>
-              <a:rPr lang="en-US" sz="3600" b="1" kern="1200" dirty="0">
-                <a:effectLst/>
-                <a:latin typeface="Berlin Sans FB Demi" panose="020E0802020502020306" pitchFamily="34" charset="0"/>
-              </a:rPr>
-              <a:t>Work plan and Time line :</a:t>
-            </a:r>
-            <a:endParaRPr lang="en-IN" sz="3200" dirty="0">
-              <a:effectLst/>
-            </a:endParaRPr>
-          </a:p>
-        </p:txBody>
-      </p:sp>
-      <p:sp>
-        <p:nvSpPr>
-          <p:cNvPr id="5" name="TextBox 4">
-            <a:extLst>
-              <a:ext uri="{FF2B5EF4-FFF2-40B4-BE49-F238E27FC236}">
-                <a16:creationId xmlns:a16="http://schemas.microsoft.com/office/drawing/2014/main" id="{90D0114C-899E-B4A5-A897-0D5FE1D57030}"/>
-              </a:ext>
-            </a:extLst>
-          </p:cNvPr>
-          <p:cNvSpPr txBox="1"/>
-          <p:nvPr/>
-        </p:nvSpPr>
-        <p:spPr>
-          <a:xfrm>
-            <a:off x="1415592" y="1772239"/>
-            <a:ext cx="9360816" cy="3108543"/>
-          </a:xfrm>
-          <a:prstGeom prst="rect">
-            <a:avLst/>
-          </a:prstGeom>
-          <a:noFill/>
-        </p:spPr>
-        <p:txBody>
-          <a:bodyPr wrap="square" rtlCol="0">
-            <a:spAutoFit/>
-          </a:bodyPr>
-          <a:lstStyle/>
-          <a:p>
-            <a:pPr marL="457200" indent="-457200">
-              <a:buFont typeface="Courier New" panose="02070309020205020404" pitchFamily="49" charset="0"/>
-              <a:buChar char="o"/>
-            </a:pPr>
-            <a:r>
-              <a:rPr lang="en-US" sz="2800" dirty="0"/>
-              <a:t>Data Collection – 1week</a:t>
-            </a:r>
-          </a:p>
-          <a:p>
-            <a:pPr marL="457200" indent="-457200">
-              <a:buFont typeface="Courier New" panose="02070309020205020404" pitchFamily="49" charset="0"/>
-              <a:buChar char="o"/>
-            </a:pPr>
-            <a:r>
-              <a:rPr lang="en-US" sz="2800" dirty="0"/>
-              <a:t>Literature Review -1week</a:t>
-            </a:r>
-          </a:p>
-          <a:p>
-            <a:pPr marL="457200" indent="-457200">
-              <a:buFont typeface="Courier New" panose="02070309020205020404" pitchFamily="49" charset="0"/>
-              <a:buChar char="o"/>
-            </a:pPr>
-            <a:r>
-              <a:rPr lang="en-US" sz="2800" dirty="0"/>
-              <a:t>Validating Mathematical Foundation – 1 weeks</a:t>
-            </a:r>
-          </a:p>
-          <a:p>
-            <a:pPr marL="457200" indent="-457200">
-              <a:buFont typeface="Courier New" panose="02070309020205020404" pitchFamily="49" charset="0"/>
-              <a:buChar char="o"/>
-            </a:pPr>
-            <a:r>
-              <a:rPr lang="en-US" sz="2800" dirty="0"/>
-              <a:t>Testing existing models – 3 days</a:t>
-            </a:r>
-          </a:p>
-          <a:p>
-            <a:pPr marL="457200" indent="-457200">
-              <a:buFont typeface="Courier New" panose="02070309020205020404" pitchFamily="49" charset="0"/>
-              <a:buChar char="o"/>
-            </a:pPr>
-            <a:r>
-              <a:rPr lang="en-US" sz="2800" dirty="0"/>
-              <a:t>Implementing our proposed algorithm in Python – 2weeks</a:t>
-            </a:r>
-          </a:p>
-          <a:p>
-            <a:pPr marL="457200" indent="-457200">
-              <a:buFont typeface="Courier New" panose="02070309020205020404" pitchFamily="49" charset="0"/>
-              <a:buChar char="o"/>
-            </a:pPr>
-            <a:r>
-              <a:rPr lang="en-US" sz="2800" dirty="0"/>
-              <a:t>Comparing Results – 2 days</a:t>
-            </a:r>
-          </a:p>
-          <a:p>
-            <a:pPr marL="457200" indent="-457200">
-              <a:buFont typeface="Courier New" panose="02070309020205020404" pitchFamily="49" charset="0"/>
-              <a:buChar char="o"/>
-            </a:pPr>
-            <a:r>
-              <a:rPr lang="en-US" sz="2800" dirty="0"/>
-              <a:t>Interpretation - 1 week</a:t>
-            </a:r>
-            <a:endParaRPr lang="en-IN" sz="2800" dirty="0"/>
-          </a:p>
-        </p:txBody>
-      </p:sp>
-    </p:spTree>
-    <p:extLst>
-      <p:ext uri="{BB962C8B-B14F-4D97-AF65-F5344CB8AC3E}">
-        <p14:creationId xmlns:p14="http://schemas.microsoft.com/office/powerpoint/2010/main" val="789001738"/>
-      </p:ext>
-    </p:extLst>
-  </p:cSld>
-  <p:clrMapOvr>
-    <a:masterClrMapping/>
-  </p:clrMapOvr>
-  <mc:AlternateContent xmlns:mc="http://schemas.openxmlformats.org/markup-compatibility/2006" xmlns:p14="http://schemas.microsoft.com/office/powerpoint/2010/main">
-    <mc:Choice Requires="p14">
-      <p:transition spd="slow" p14:dur="3400">
-        <p14:reveal/>
-      </p:transition>
-    </mc:Choice>
-    <mc:Fallback xmlns="">
-      <p:transition spd="slow">
-        <p:fade/>
-      </p:transition>
-    </mc:Fallback>
-  </mc:AlternateContent>
-  <p:timing>
-    <p:tnLst>
-      <p:par>
-        <p:cTn id="1" dur="indefinite" restart="never" nodeType="tmRoot">
-          <p:childTnLst>
-            <p:seq concurrent="1" nextAc="seek">
-              <p:cTn id="2" dur="indefinite" nodeType="mainSeq">
-                <p:childTnLst>
-                  <p:par>
-                    <p:cTn id="3" fill="hold">
-                      <p:stCondLst>
-                        <p:cond delay="indefinite"/>
-                      </p:stCondLst>
-                      <p:childTnLst>
-                        <p:par>
-                          <p:cTn id="4" fill="hold">
-                            <p:stCondLst>
-                              <p:cond delay="0"/>
-                            </p:stCondLst>
-                            <p:childTnLst>
-                              <p:par>
-                                <p:cTn id="5" presetID="42" presetClass="entr" presetSubtype="0" fill="hold" nodeType="clickEffect">
-                                  <p:stCondLst>
-                                    <p:cond delay="0"/>
-                                  </p:stCondLst>
-                                  <p:childTnLst>
-                                    <p:set>
-                                      <p:cBhvr>
-                                        <p:cTn id="6" dur="1" fill="hold">
-                                          <p:stCondLst>
-                                            <p:cond delay="0"/>
-                                          </p:stCondLst>
-                                        </p:cTn>
-                                        <p:tgtEl>
-                                          <p:spTgt spid="5">
-                                            <p:txEl>
-                                              <p:pRg st="0" end="0"/>
-                                            </p:txEl>
-                                          </p:spTgt>
-                                        </p:tgtEl>
-                                        <p:attrNameLst>
-                                          <p:attrName>style.visibility</p:attrName>
-                                        </p:attrNameLst>
-                                      </p:cBhvr>
-                                      <p:to>
-                                        <p:strVal val="visible"/>
-                                      </p:to>
-                                    </p:set>
-                                    <p:animEffect transition="in" filter="fade">
-                                      <p:cBhvr>
-                                        <p:cTn id="7" dur="1000"/>
-                                        <p:tgtEl>
-                                          <p:spTgt spid="5">
-                                            <p:txEl>
-                                              <p:pRg st="0" end="0"/>
-                                            </p:txEl>
-                                          </p:spTgt>
-                                        </p:tgtEl>
-                                      </p:cBhvr>
-                                    </p:animEffect>
-                                    <p:anim calcmode="lin" valueType="num">
-                                      <p:cBhvr>
-                                        <p:cTn id="8" dur="1000" fill="hold"/>
-                                        <p:tgtEl>
-                                          <p:spTgt spid="5">
-                                            <p:txEl>
-                                              <p:pRg st="0" end="0"/>
-                                            </p:txEl>
-                                          </p:spTgt>
-                                        </p:tgtEl>
-                                        <p:attrNameLst>
-                                          <p:attrName>ppt_x</p:attrName>
-                                        </p:attrNameLst>
-                                      </p:cBhvr>
-                                      <p:tavLst>
-                                        <p:tav tm="0">
-                                          <p:val>
-                                            <p:strVal val="#ppt_x"/>
-                                          </p:val>
-                                        </p:tav>
-                                        <p:tav tm="100000">
-                                          <p:val>
-                                            <p:strVal val="#ppt_x"/>
-                                          </p:val>
-                                        </p:tav>
-                                      </p:tavLst>
-                                    </p:anim>
-                                    <p:anim calcmode="lin" valueType="num">
-                                      <p:cBhvr>
-                                        <p:cTn id="9" dur="1000" fill="hold"/>
-                                        <p:tgtEl>
-                                          <p:spTgt spid="5">
-                                            <p:txEl>
-                                              <p:pRg st="0" end="0"/>
-                                            </p:txEl>
-                                          </p:spTgt>
-                                        </p:tgtEl>
-                                        <p:attrNameLst>
-                                          <p:attrName>ppt_y</p:attrName>
-                                        </p:attrNameLst>
-                                      </p:cBhvr>
-                                      <p:tavLst>
-                                        <p:tav tm="0">
-                                          <p:val>
-                                            <p:strVal val="#ppt_y+.1"/>
-                                          </p:val>
-                                        </p:tav>
-                                        <p:tav tm="100000">
-                                          <p:val>
-                                            <p:strVal val="#ppt_y"/>
-                                          </p:val>
-                                        </p:tav>
-                                      </p:tavLst>
-                                    </p:anim>
-                                  </p:childTnLst>
-                                </p:cTn>
-                              </p:par>
-                              <p:par>
-                                <p:cTn id="10" presetID="42" presetClass="entr" presetSubtype="0" fill="hold" nodeType="withEffect">
-                                  <p:stCondLst>
-                                    <p:cond delay="0"/>
-                                  </p:stCondLst>
-                                  <p:childTnLst>
-                                    <p:set>
-                                      <p:cBhvr>
-                                        <p:cTn id="11" dur="1" fill="hold">
-                                          <p:stCondLst>
-                                            <p:cond delay="0"/>
-                                          </p:stCondLst>
-                                        </p:cTn>
-                                        <p:tgtEl>
-                                          <p:spTgt spid="5">
-                                            <p:txEl>
-                                              <p:pRg st="1" end="1"/>
-                                            </p:txEl>
-                                          </p:spTgt>
-                                        </p:tgtEl>
-                                        <p:attrNameLst>
-                                          <p:attrName>style.visibility</p:attrName>
-                                        </p:attrNameLst>
-                                      </p:cBhvr>
-                                      <p:to>
-                                        <p:strVal val="visible"/>
-                                      </p:to>
-                                    </p:set>
-                                    <p:animEffect transition="in" filter="fade">
-                                      <p:cBhvr>
-                                        <p:cTn id="12" dur="1000"/>
-                                        <p:tgtEl>
-                                          <p:spTgt spid="5">
-                                            <p:txEl>
-                                              <p:pRg st="1" end="1"/>
-                                            </p:txEl>
-                                          </p:spTgt>
-                                        </p:tgtEl>
-                                      </p:cBhvr>
-                                    </p:animEffect>
-                                    <p:anim calcmode="lin" valueType="num">
-                                      <p:cBhvr>
-                                        <p:cTn id="13" dur="1000" fill="hold"/>
-                                        <p:tgtEl>
-                                          <p:spTgt spid="5">
-                                            <p:txEl>
-                                              <p:pRg st="1" end="1"/>
-                                            </p:txEl>
-                                          </p:spTgt>
-                                        </p:tgtEl>
-                                        <p:attrNameLst>
-                                          <p:attrName>ppt_x</p:attrName>
-                                        </p:attrNameLst>
-                                      </p:cBhvr>
-                                      <p:tavLst>
-                                        <p:tav tm="0">
-                                          <p:val>
-                                            <p:strVal val="#ppt_x"/>
-                                          </p:val>
-                                        </p:tav>
-                                        <p:tav tm="100000">
-                                          <p:val>
-                                            <p:strVal val="#ppt_x"/>
-                                          </p:val>
-                                        </p:tav>
-                                      </p:tavLst>
-                                    </p:anim>
-                                    <p:anim calcmode="lin" valueType="num">
-                                      <p:cBhvr>
-                                        <p:cTn id="14" dur="1000" fill="hold"/>
-                                        <p:tgtEl>
-                                          <p:spTgt spid="5">
-                                            <p:txEl>
-                                              <p:pRg st="1" end="1"/>
-                                            </p:txEl>
-                                          </p:spTgt>
-                                        </p:tgtEl>
-                                        <p:attrNameLst>
-                                          <p:attrName>ppt_y</p:attrName>
-                                        </p:attrNameLst>
-                                      </p:cBhvr>
-                                      <p:tavLst>
-                                        <p:tav tm="0">
-                                          <p:val>
-                                            <p:strVal val="#ppt_y+.1"/>
-                                          </p:val>
-                                        </p:tav>
-                                        <p:tav tm="100000">
-                                          <p:val>
-                                            <p:strVal val="#ppt_y"/>
-                                          </p:val>
-                                        </p:tav>
-                                      </p:tavLst>
-                                    </p:anim>
-                                  </p:childTnLst>
-                                </p:cTn>
-                              </p:par>
-                              <p:par>
-                                <p:cTn id="15" presetID="42" presetClass="entr" presetSubtype="0" fill="hold" nodeType="withEffect">
-                                  <p:stCondLst>
-                                    <p:cond delay="0"/>
-                                  </p:stCondLst>
-                                  <p:childTnLst>
-                                    <p:set>
-                                      <p:cBhvr>
-                                        <p:cTn id="16" dur="1" fill="hold">
-                                          <p:stCondLst>
-                                            <p:cond delay="0"/>
-                                          </p:stCondLst>
-                                        </p:cTn>
-                                        <p:tgtEl>
-                                          <p:spTgt spid="5">
-                                            <p:txEl>
-                                              <p:pRg st="2" end="2"/>
-                                            </p:txEl>
-                                          </p:spTgt>
-                                        </p:tgtEl>
-                                        <p:attrNameLst>
-                                          <p:attrName>style.visibility</p:attrName>
-                                        </p:attrNameLst>
-                                      </p:cBhvr>
-                                      <p:to>
-                                        <p:strVal val="visible"/>
-                                      </p:to>
-                                    </p:set>
-                                    <p:animEffect transition="in" filter="fade">
-                                      <p:cBhvr>
-                                        <p:cTn id="17" dur="1000"/>
-                                        <p:tgtEl>
-                                          <p:spTgt spid="5">
-                                            <p:txEl>
-                                              <p:pRg st="2" end="2"/>
-                                            </p:txEl>
-                                          </p:spTgt>
-                                        </p:tgtEl>
-                                      </p:cBhvr>
-                                    </p:animEffect>
-                                    <p:anim calcmode="lin" valueType="num">
-                                      <p:cBhvr>
-                                        <p:cTn id="18" dur="1000" fill="hold"/>
-                                        <p:tgtEl>
-                                          <p:spTgt spid="5">
-                                            <p:txEl>
-                                              <p:pRg st="2" end="2"/>
-                                            </p:txEl>
-                                          </p:spTgt>
-                                        </p:tgtEl>
-                                        <p:attrNameLst>
-                                          <p:attrName>ppt_x</p:attrName>
-                                        </p:attrNameLst>
-                                      </p:cBhvr>
-                                      <p:tavLst>
-                                        <p:tav tm="0">
-                                          <p:val>
-                                            <p:strVal val="#ppt_x"/>
-                                          </p:val>
-                                        </p:tav>
-                                        <p:tav tm="100000">
-                                          <p:val>
-                                            <p:strVal val="#ppt_x"/>
-                                          </p:val>
-                                        </p:tav>
-                                      </p:tavLst>
-                                    </p:anim>
-                                    <p:anim calcmode="lin" valueType="num">
-                                      <p:cBhvr>
-                                        <p:cTn id="19" dur="1000" fill="hold"/>
-                                        <p:tgtEl>
-                                          <p:spTgt spid="5">
-                                            <p:txEl>
-                                              <p:pRg st="2" end="2"/>
-                                            </p:txEl>
-                                          </p:spTgt>
-                                        </p:tgtEl>
-                                        <p:attrNameLst>
-                                          <p:attrName>ppt_y</p:attrName>
-                                        </p:attrNameLst>
-                                      </p:cBhvr>
-                                      <p:tavLst>
-                                        <p:tav tm="0">
-                                          <p:val>
-                                            <p:strVal val="#ppt_y+.1"/>
-                                          </p:val>
-                                        </p:tav>
-                                        <p:tav tm="100000">
-                                          <p:val>
-                                            <p:strVal val="#ppt_y"/>
-                                          </p:val>
-                                        </p:tav>
-                                      </p:tavLst>
-                                    </p:anim>
-                                  </p:childTnLst>
-                                </p:cTn>
-                              </p:par>
-                            </p:childTnLst>
-                          </p:cTn>
-                        </p:par>
-                      </p:childTnLst>
-                    </p:cTn>
-                  </p:par>
-                  <p:par>
-                    <p:cTn id="20" fill="hold">
-                      <p:stCondLst>
-                        <p:cond delay="indefinite"/>
-                      </p:stCondLst>
-                      <p:childTnLst>
-                        <p:par>
-                          <p:cTn id="21" fill="hold">
-                            <p:stCondLst>
-                              <p:cond delay="0"/>
-                            </p:stCondLst>
-                            <p:childTnLst>
-                              <p:par>
-                                <p:cTn id="22" presetID="42" presetClass="entr" presetSubtype="0" fill="hold" nodeType="clickEffect">
-                                  <p:stCondLst>
-                                    <p:cond delay="0"/>
-                                  </p:stCondLst>
-                                  <p:childTnLst>
-                                    <p:set>
-                                      <p:cBhvr>
-                                        <p:cTn id="23" dur="1" fill="hold">
-                                          <p:stCondLst>
-                                            <p:cond delay="0"/>
-                                          </p:stCondLst>
-                                        </p:cTn>
-                                        <p:tgtEl>
-                                          <p:spTgt spid="5">
-                                            <p:txEl>
-                                              <p:pRg st="3" end="3"/>
-                                            </p:txEl>
-                                          </p:spTgt>
-                                        </p:tgtEl>
-                                        <p:attrNameLst>
-                                          <p:attrName>style.visibility</p:attrName>
-                                        </p:attrNameLst>
-                                      </p:cBhvr>
-                                      <p:to>
-                                        <p:strVal val="visible"/>
-                                      </p:to>
-                                    </p:set>
-                                    <p:animEffect transition="in" filter="fade">
-                                      <p:cBhvr>
-                                        <p:cTn id="24" dur="1000"/>
-                                        <p:tgtEl>
-                                          <p:spTgt spid="5">
-                                            <p:txEl>
-                                              <p:pRg st="3" end="3"/>
-                                            </p:txEl>
-                                          </p:spTgt>
-                                        </p:tgtEl>
-                                      </p:cBhvr>
-                                    </p:animEffect>
-                                    <p:anim calcmode="lin" valueType="num">
-                                      <p:cBhvr>
-                                        <p:cTn id="25" dur="1000" fill="hold"/>
-                                        <p:tgtEl>
-                                          <p:spTgt spid="5">
-                                            <p:txEl>
-                                              <p:pRg st="3" end="3"/>
-                                            </p:txEl>
-                                          </p:spTgt>
-                                        </p:tgtEl>
-                                        <p:attrNameLst>
-                                          <p:attrName>ppt_x</p:attrName>
-                                        </p:attrNameLst>
-                                      </p:cBhvr>
-                                      <p:tavLst>
-                                        <p:tav tm="0">
-                                          <p:val>
-                                            <p:strVal val="#ppt_x"/>
-                                          </p:val>
-                                        </p:tav>
-                                        <p:tav tm="100000">
-                                          <p:val>
-                                            <p:strVal val="#ppt_x"/>
-                                          </p:val>
-                                        </p:tav>
-                                      </p:tavLst>
-                                    </p:anim>
-                                    <p:anim calcmode="lin" valueType="num">
-                                      <p:cBhvr>
-                                        <p:cTn id="26" dur="1000" fill="hold"/>
-                                        <p:tgtEl>
-                                          <p:spTgt spid="5">
-                                            <p:txEl>
-                                              <p:pRg st="3" end="3"/>
-                                            </p:txEl>
-                                          </p:spTgt>
-                                        </p:tgtEl>
-                                        <p:attrNameLst>
-                                          <p:attrName>ppt_y</p:attrName>
-                                        </p:attrNameLst>
-                                      </p:cBhvr>
-                                      <p:tavLst>
-                                        <p:tav tm="0">
-                                          <p:val>
-                                            <p:strVal val="#ppt_y+.1"/>
-                                          </p:val>
-                                        </p:tav>
-                                        <p:tav tm="100000">
-                                          <p:val>
-                                            <p:strVal val="#ppt_y"/>
-                                          </p:val>
-                                        </p:tav>
-                                      </p:tavLst>
-                                    </p:anim>
-                                  </p:childTnLst>
-                                </p:cTn>
-                              </p:par>
-                              <p:par>
-                                <p:cTn id="27" presetID="42" presetClass="entr" presetSubtype="0" fill="hold" nodeType="withEffect">
-                                  <p:stCondLst>
-                                    <p:cond delay="0"/>
-                                  </p:stCondLst>
-                                  <p:childTnLst>
-                                    <p:set>
-                                      <p:cBhvr>
-                                        <p:cTn id="28" dur="1" fill="hold">
-                                          <p:stCondLst>
-                                            <p:cond delay="0"/>
-                                          </p:stCondLst>
-                                        </p:cTn>
-                                        <p:tgtEl>
-                                          <p:spTgt spid="5">
-                                            <p:txEl>
-                                              <p:pRg st="4" end="4"/>
-                                            </p:txEl>
-                                          </p:spTgt>
-                                        </p:tgtEl>
-                                        <p:attrNameLst>
-                                          <p:attrName>style.visibility</p:attrName>
-                                        </p:attrNameLst>
-                                      </p:cBhvr>
-                                      <p:to>
-                                        <p:strVal val="visible"/>
-                                      </p:to>
-                                    </p:set>
-                                    <p:animEffect transition="in" filter="fade">
-                                      <p:cBhvr>
-                                        <p:cTn id="29" dur="1000"/>
-                                        <p:tgtEl>
-                                          <p:spTgt spid="5">
-                                            <p:txEl>
-                                              <p:pRg st="4" end="4"/>
-                                            </p:txEl>
-                                          </p:spTgt>
-                                        </p:tgtEl>
-                                      </p:cBhvr>
-                                    </p:animEffect>
-                                    <p:anim calcmode="lin" valueType="num">
-                                      <p:cBhvr>
-                                        <p:cTn id="30" dur="1000" fill="hold"/>
-                                        <p:tgtEl>
-                                          <p:spTgt spid="5">
-                                            <p:txEl>
-                                              <p:pRg st="4" end="4"/>
-                                            </p:txEl>
-                                          </p:spTgt>
-                                        </p:tgtEl>
-                                        <p:attrNameLst>
-                                          <p:attrName>ppt_x</p:attrName>
-                                        </p:attrNameLst>
-                                      </p:cBhvr>
-                                      <p:tavLst>
-                                        <p:tav tm="0">
-                                          <p:val>
-                                            <p:strVal val="#ppt_x"/>
-                                          </p:val>
-                                        </p:tav>
-                                        <p:tav tm="100000">
-                                          <p:val>
-                                            <p:strVal val="#ppt_x"/>
-                                          </p:val>
-                                        </p:tav>
-                                      </p:tavLst>
-                                    </p:anim>
-                                    <p:anim calcmode="lin" valueType="num">
-                                      <p:cBhvr>
-                                        <p:cTn id="31" dur="1000" fill="hold"/>
-                                        <p:tgtEl>
-                                          <p:spTgt spid="5">
-                                            <p:txEl>
-                                              <p:pRg st="4" end="4"/>
-                                            </p:txEl>
-                                          </p:spTgt>
-                                        </p:tgtEl>
-                                        <p:attrNameLst>
-                                          <p:attrName>ppt_y</p:attrName>
-                                        </p:attrNameLst>
-                                      </p:cBhvr>
-                                      <p:tavLst>
-                                        <p:tav tm="0">
-                                          <p:val>
-                                            <p:strVal val="#ppt_y+.1"/>
-                                          </p:val>
-                                        </p:tav>
-                                        <p:tav tm="100000">
-                                          <p:val>
-                                            <p:strVal val="#ppt_y"/>
-                                          </p:val>
-                                        </p:tav>
-                                      </p:tavLst>
-                                    </p:anim>
-                                  </p:childTnLst>
-                                </p:cTn>
-                              </p:par>
-                            </p:childTnLst>
-                          </p:cTn>
-                        </p:par>
-                      </p:childTnLst>
-                    </p:cTn>
-                  </p:par>
-                  <p:par>
-                    <p:cTn id="32" fill="hold">
-                      <p:stCondLst>
-                        <p:cond delay="indefinite"/>
-                      </p:stCondLst>
-                      <p:childTnLst>
-                        <p:par>
-                          <p:cTn id="33" fill="hold">
-                            <p:stCondLst>
-                              <p:cond delay="0"/>
-                            </p:stCondLst>
-                            <p:childTnLst>
-                              <p:par>
-                                <p:cTn id="34" presetID="42" presetClass="entr" presetSubtype="0" fill="hold" nodeType="clickEffect">
-                                  <p:stCondLst>
-                                    <p:cond delay="0"/>
-                                  </p:stCondLst>
-                                  <p:childTnLst>
-                                    <p:set>
-                                      <p:cBhvr>
-                                        <p:cTn id="35" dur="1" fill="hold">
-                                          <p:stCondLst>
-                                            <p:cond delay="0"/>
-                                          </p:stCondLst>
-                                        </p:cTn>
-                                        <p:tgtEl>
-                                          <p:spTgt spid="5">
-                                            <p:txEl>
-                                              <p:pRg st="5" end="5"/>
-                                            </p:txEl>
-                                          </p:spTgt>
-                                        </p:tgtEl>
-                                        <p:attrNameLst>
-                                          <p:attrName>style.visibility</p:attrName>
-                                        </p:attrNameLst>
-                                      </p:cBhvr>
-                                      <p:to>
-                                        <p:strVal val="visible"/>
-                                      </p:to>
-                                    </p:set>
-                                    <p:animEffect transition="in" filter="fade">
-                                      <p:cBhvr>
-                                        <p:cTn id="36" dur="1000"/>
-                                        <p:tgtEl>
-                                          <p:spTgt spid="5">
-                                            <p:txEl>
-                                              <p:pRg st="5" end="5"/>
-                                            </p:txEl>
-                                          </p:spTgt>
-                                        </p:tgtEl>
-                                      </p:cBhvr>
-                                    </p:animEffect>
-                                    <p:anim calcmode="lin" valueType="num">
-                                      <p:cBhvr>
-                                        <p:cTn id="37" dur="1000" fill="hold"/>
-                                        <p:tgtEl>
-                                          <p:spTgt spid="5">
-                                            <p:txEl>
-                                              <p:pRg st="5" end="5"/>
-                                            </p:txEl>
-                                          </p:spTgt>
-                                        </p:tgtEl>
-                                        <p:attrNameLst>
-                                          <p:attrName>ppt_x</p:attrName>
-                                        </p:attrNameLst>
-                                      </p:cBhvr>
-                                      <p:tavLst>
-                                        <p:tav tm="0">
-                                          <p:val>
-                                            <p:strVal val="#ppt_x"/>
-                                          </p:val>
-                                        </p:tav>
-                                        <p:tav tm="100000">
-                                          <p:val>
-                                            <p:strVal val="#ppt_x"/>
-                                          </p:val>
-                                        </p:tav>
-                                      </p:tavLst>
-                                    </p:anim>
-                                    <p:anim calcmode="lin" valueType="num">
-                                      <p:cBhvr>
-                                        <p:cTn id="38" dur="1000" fill="hold"/>
-                                        <p:tgtEl>
-                                          <p:spTgt spid="5">
-                                            <p:txEl>
-                                              <p:pRg st="5" end="5"/>
-                                            </p:txEl>
-                                          </p:spTgt>
-                                        </p:tgtEl>
-                                        <p:attrNameLst>
-                                          <p:attrName>ppt_y</p:attrName>
-                                        </p:attrNameLst>
-                                      </p:cBhvr>
-                                      <p:tavLst>
-                                        <p:tav tm="0">
-                                          <p:val>
-                                            <p:strVal val="#ppt_y+.1"/>
-                                          </p:val>
-                                        </p:tav>
-                                        <p:tav tm="100000">
-                                          <p:val>
-                                            <p:strVal val="#ppt_y"/>
-                                          </p:val>
-                                        </p:tav>
-                                      </p:tavLst>
-                                    </p:anim>
-                                  </p:childTnLst>
-                                </p:cTn>
-                              </p:par>
-                              <p:par>
-                                <p:cTn id="39" presetID="42" presetClass="entr" presetSubtype="0" fill="hold" nodeType="withEffect">
-                                  <p:stCondLst>
-                                    <p:cond delay="0"/>
-                                  </p:stCondLst>
-                                  <p:childTnLst>
-                                    <p:set>
-                                      <p:cBhvr>
-                                        <p:cTn id="40" dur="1" fill="hold">
-                                          <p:stCondLst>
-                                            <p:cond delay="0"/>
-                                          </p:stCondLst>
-                                        </p:cTn>
-                                        <p:tgtEl>
-                                          <p:spTgt spid="5">
-                                            <p:txEl>
-                                              <p:pRg st="6" end="6"/>
-                                            </p:txEl>
-                                          </p:spTgt>
-                                        </p:tgtEl>
-                                        <p:attrNameLst>
-                                          <p:attrName>style.visibility</p:attrName>
-                                        </p:attrNameLst>
-                                      </p:cBhvr>
-                                      <p:to>
-                                        <p:strVal val="visible"/>
-                                      </p:to>
-                                    </p:set>
-                                    <p:animEffect transition="in" filter="fade">
-                                      <p:cBhvr>
-                                        <p:cTn id="41" dur="1000"/>
-                                        <p:tgtEl>
-                                          <p:spTgt spid="5">
-                                            <p:txEl>
-                                              <p:pRg st="6" end="6"/>
-                                            </p:txEl>
-                                          </p:spTgt>
-                                        </p:tgtEl>
-                                      </p:cBhvr>
-                                    </p:animEffect>
-                                    <p:anim calcmode="lin" valueType="num">
-                                      <p:cBhvr>
-                                        <p:cTn id="42" dur="1000" fill="hold"/>
-                                        <p:tgtEl>
-                                          <p:spTgt spid="5">
-                                            <p:txEl>
-                                              <p:pRg st="6" end="6"/>
-                                            </p:txEl>
-                                          </p:spTgt>
-                                        </p:tgtEl>
-                                        <p:attrNameLst>
-                                          <p:attrName>ppt_x</p:attrName>
-                                        </p:attrNameLst>
-                                      </p:cBhvr>
-                                      <p:tavLst>
-                                        <p:tav tm="0">
-                                          <p:val>
-                                            <p:strVal val="#ppt_x"/>
-                                          </p:val>
-                                        </p:tav>
-                                        <p:tav tm="100000">
-                                          <p:val>
-                                            <p:strVal val="#ppt_x"/>
-                                          </p:val>
-                                        </p:tav>
-                                      </p:tavLst>
-                                    </p:anim>
-                                    <p:anim calcmode="lin" valueType="num">
-                                      <p:cBhvr>
-                                        <p:cTn id="43" dur="1000" fill="hold"/>
-                                        <p:tgtEl>
-                                          <p:spTgt spid="5">
-                                            <p:txEl>
-                                              <p:pRg st="6" end="6"/>
-                                            </p:txEl>
-                                          </p:spTgt>
-                                        </p:tgtEl>
-                                        <p:attrNameLst>
-                                          <p:attrName>ppt_y</p:attrName>
-                                        </p:attrNameLst>
-                                      </p:cBhvr>
-                                      <p:tavLst>
-                                        <p:tav tm="0">
-                                          <p:val>
-                                            <p:strVal val="#ppt_y+.1"/>
-                                          </p:val>
-                                        </p:tav>
-                                        <p:tav tm="100000">
-                                          <p:val>
-                                            <p:strVal val="#ppt_y"/>
-                                          </p:val>
-                                        </p:tav>
-                                      </p:tavLst>
-                                    </p:anim>
-                                  </p:childTnLst>
-                                </p:cTn>
-                              </p:par>
-                            </p:childTnLst>
-                          </p:cTn>
-                        </p:par>
-                      </p:childTnLst>
-                    </p:cTn>
-                  </p:par>
-                </p:childTnLst>
-              </p:cTn>
-              <p:prevCondLst>
-                <p:cond evt="onPrev" delay="0">
-                  <p:tgtEl>
-                    <p:sldTgt/>
-                  </p:tgtEl>
-                </p:cond>
-              </p:prevCondLst>
-              <p:nextCondLst>
-                <p:cond evt="onNext" delay="0">
-                  <p:tgtEl>
-                    <p:sldTgt/>
-                  </p:tgtEl>
-                </p:cond>
-              </p:nextCondLst>
-            </p:seq>
-          </p:childTnLst>
-        </p:cTn>
-      </p:par>
-    </p:tnLst>
-  </p:timing>
-</p:sld>
-</file>
-
-<file path=ppt/slides/slide4.xml><?xml version="1.0" encoding="utf-8"?>
-<p:sld xmlns:a="http://schemas.openxmlformats.org/drawingml/2006/main" xmlns:r="http://schemas.openxmlformats.org/officeDocument/2006/relationships" xmlns:p="http://schemas.openxmlformats.org/presentationml/2006/main">
-  <p:cSld>
-    <p:spTree>
-      <p:nvGrpSpPr>
-        <p:cNvPr id="1" name=""/>
-        <p:cNvGrpSpPr/>
-        <p:nvPr/>
-      </p:nvGrpSpPr>
-      <p:grpSpPr>
-        <a:xfrm>
-          <a:off x="0" y="0"/>
-          <a:ext cx="0" cy="0"/>
-          <a:chOff x="0" y="0"/>
-          <a:chExt cx="0" cy="0"/>
-        </a:xfrm>
-      </p:grpSpPr>
-      <p:sp>
-        <p:nvSpPr>
-          <p:cNvPr id="5" name="TextBox 4">
-            <a:extLst>
-              <a:ext uri="{FF2B5EF4-FFF2-40B4-BE49-F238E27FC236}">
-                <a16:creationId xmlns:a16="http://schemas.microsoft.com/office/drawing/2014/main" id="{8F005426-1FDF-7D8A-A5BB-209E5D52F0A2}"/>
-              </a:ext>
-            </a:extLst>
-          </p:cNvPr>
-          <p:cNvSpPr txBox="1"/>
-          <p:nvPr/>
-        </p:nvSpPr>
-        <p:spPr>
-          <a:xfrm>
-            <a:off x="930896" y="676077"/>
-            <a:ext cx="8703297" cy="646331"/>
-          </a:xfrm>
-          <a:prstGeom prst="rect">
-            <a:avLst/>
-          </a:prstGeom>
-          <a:noFill/>
-        </p:spPr>
-        <p:txBody>
-          <a:bodyPr wrap="square">
-            <a:spAutoFit/>
-          </a:bodyPr>
-          <a:lstStyle/>
-          <a:p>
-            <a:pPr marL="576072" indent="-576072" algn="l" rtl="0" eaLnBrk="1" latinLnBrk="0" hangingPunct="1">
-              <a:spcBef>
-                <a:spcPts val="0"/>
-              </a:spcBef>
-              <a:spcAft>
-                <a:spcPts val="0"/>
-              </a:spcAft>
-              <a:buClrTx/>
-              <a:buSzPts val="3600"/>
-              <a:buFont typeface="Wingdings" panose="05000000000000000000" pitchFamily="2" charset="2"/>
-              <a:buChar char="Ø"/>
-            </a:pPr>
-            <a:r>
-              <a:rPr lang="en-US" sz="3600" b="1" kern="1200" dirty="0">
-                <a:effectLst/>
-                <a:latin typeface="Century Gothic" panose="020B0502020202020204" pitchFamily="34" charset="0"/>
-              </a:rPr>
-              <a:t>Work plan division in our group:</a:t>
-            </a:r>
-            <a:endParaRPr lang="en-IN" sz="3600" dirty="0">
-              <a:effectLst/>
-              <a:latin typeface="Century Gothic" panose="020B0502020202020204" pitchFamily="34" charset="0"/>
-            </a:endParaRPr>
-          </a:p>
-        </p:txBody>
-      </p:sp>
-      <p:sp>
-        <p:nvSpPr>
-          <p:cNvPr id="6" name="TextBox 5">
-            <a:extLst>
-              <a:ext uri="{FF2B5EF4-FFF2-40B4-BE49-F238E27FC236}">
-                <a16:creationId xmlns:a16="http://schemas.microsoft.com/office/drawing/2014/main" id="{9EB7B74F-05A6-D114-F38D-59F22E228855}"/>
-              </a:ext>
-            </a:extLst>
-          </p:cNvPr>
-          <p:cNvSpPr txBox="1"/>
-          <p:nvPr/>
-        </p:nvSpPr>
-        <p:spPr>
-          <a:xfrm>
-            <a:off x="1593130" y="1750592"/>
-            <a:ext cx="9662474" cy="3356816"/>
-          </a:xfrm>
-          <a:prstGeom prst="rect">
-            <a:avLst/>
-          </a:prstGeom>
-          <a:noFill/>
-        </p:spPr>
-        <p:txBody>
-          <a:bodyPr wrap="square" rtlCol="0">
-            <a:spAutoFit/>
-          </a:bodyPr>
-          <a:lstStyle/>
-          <a:p>
-            <a:pPr marL="285750" indent="-285750">
-              <a:lnSpc>
-                <a:spcPct val="150000"/>
-              </a:lnSpc>
-              <a:buFont typeface="Courier New" panose="02070309020205020404" pitchFamily="49" charset="0"/>
-              <a:buChar char="o"/>
-            </a:pPr>
-            <a:r>
-              <a:rPr lang="en-IN" sz="2400" dirty="0"/>
-              <a:t>Data Collection : Uddalak Mukherjee </a:t>
-            </a:r>
-          </a:p>
-          <a:p>
-            <a:pPr marL="285750" indent="-285750">
-              <a:lnSpc>
-                <a:spcPct val="150000"/>
-              </a:lnSpc>
-              <a:buFont typeface="Courier New" panose="02070309020205020404" pitchFamily="49" charset="0"/>
-              <a:buChar char="o"/>
-            </a:pPr>
-            <a:r>
-              <a:rPr lang="en-IN" sz="2400" dirty="0"/>
-              <a:t>Literature Review : Both </a:t>
-            </a:r>
-          </a:p>
-          <a:p>
-            <a:pPr marL="285750" indent="-285750">
-              <a:lnSpc>
-                <a:spcPct val="150000"/>
-              </a:lnSpc>
-              <a:buFont typeface="Courier New" panose="02070309020205020404" pitchFamily="49" charset="0"/>
-              <a:buChar char="o"/>
-            </a:pPr>
-            <a:r>
-              <a:rPr lang="en-IN" sz="2400" dirty="0"/>
-              <a:t>Validating Mathematical Foundations : Uddalak Mukherjee </a:t>
-            </a:r>
-          </a:p>
-          <a:p>
-            <a:pPr marL="285750" indent="-285750">
-              <a:lnSpc>
-                <a:spcPct val="150000"/>
-              </a:lnSpc>
-              <a:buFont typeface="Courier New" panose="02070309020205020404" pitchFamily="49" charset="0"/>
-              <a:buChar char="o"/>
-            </a:pPr>
-            <a:r>
-              <a:rPr lang="en-IN" sz="2400" dirty="0"/>
-              <a:t>Implementation in Python : Biswajit Rana </a:t>
-            </a:r>
-          </a:p>
-          <a:p>
-            <a:pPr marL="285750" indent="-285750">
-              <a:lnSpc>
-                <a:spcPct val="150000"/>
-              </a:lnSpc>
-              <a:buFont typeface="Courier New" panose="02070309020205020404" pitchFamily="49" charset="0"/>
-              <a:buChar char="o"/>
-            </a:pPr>
-            <a:r>
-              <a:rPr lang="en-IN" sz="2400" dirty="0"/>
-              <a:t>Comparison with other models : Biswajit Rana </a:t>
-            </a:r>
-          </a:p>
-          <a:p>
-            <a:pPr marL="285750" indent="-285750">
-              <a:lnSpc>
-                <a:spcPct val="150000"/>
-              </a:lnSpc>
-              <a:buFont typeface="Courier New" panose="02070309020205020404" pitchFamily="49" charset="0"/>
-              <a:buChar char="o"/>
-            </a:pPr>
-            <a:r>
-              <a:rPr lang="en-IN" sz="2400" dirty="0"/>
-              <a:t>Interpretation of Results : Both  </a:t>
-            </a:r>
-          </a:p>
-        </p:txBody>
-      </p:sp>
-    </p:spTree>
-    <p:extLst>
-      <p:ext uri="{BB962C8B-B14F-4D97-AF65-F5344CB8AC3E}">
-        <p14:creationId xmlns:p14="http://schemas.microsoft.com/office/powerpoint/2010/main" val="2828566964"/>
-      </p:ext>
-    </p:extLst>
-  </p:cSld>
-  <p:clrMapOvr>
-    <a:masterClrMapping/>
-  </p:clrMapOvr>
-  <mc:AlternateContent xmlns:mc="http://schemas.openxmlformats.org/markup-compatibility/2006" xmlns:p14="http://schemas.microsoft.com/office/powerpoint/2010/main">
-    <mc:Choice Requires="p14">
-      <p:transition spd="slow" p14:dur="3400">
-        <p14:reveal/>
-      </p:transition>
-    </mc:Choice>
-    <mc:Fallback xmlns="">
-      <p:transition spd="slow">
-        <p:fade/>
-      </p:transition>
-    </mc:Fallback>
-  </mc:AlternateContent>
-  <p:timing>
-    <p:tnLst>
-      <p:par>
-        <p:cTn id="1" dur="indefinite" restart="never" nodeType="tmRoot">
-          <p:childTnLst>
-            <p:seq concurrent="1" nextAc="seek">
-              <p:cTn id="2" dur="indefinite" nodeType="mainSeq">
-                <p:childTnLst>
-                  <p:par>
-                    <p:cTn id="3" fill="hold">
-                      <p:stCondLst>
-                        <p:cond delay="indefinite"/>
-                      </p:stCondLst>
-                      <p:childTnLst>
-                        <p:par>
-                          <p:cTn id="4" fill="hold">
-                            <p:stCondLst>
-                              <p:cond delay="0"/>
-                            </p:stCondLst>
-                            <p:childTnLst>
-                              <p:par>
-                                <p:cTn id="5" presetID="2" presetClass="entr" presetSubtype="4" fill="hold" nodeType="clickEffect">
-                                  <p:stCondLst>
-                                    <p:cond delay="0"/>
-                                  </p:stCondLst>
-                                  <p:childTnLst>
-                                    <p:set>
-                                      <p:cBhvr>
-                                        <p:cTn id="6" dur="1" fill="hold">
-                                          <p:stCondLst>
-                                            <p:cond delay="0"/>
-                                          </p:stCondLst>
-                                        </p:cTn>
-                                        <p:tgtEl>
-                                          <p:spTgt spid="5">
-                                            <p:txEl>
-                                              <p:pRg st="0" end="0"/>
-                                            </p:txEl>
-                                          </p:spTgt>
-                                        </p:tgtEl>
-                                        <p:attrNameLst>
-                                          <p:attrName>style.visibility</p:attrName>
-                                        </p:attrNameLst>
-                                      </p:cBhvr>
-                                      <p:to>
-                                        <p:strVal val="visible"/>
-                                      </p:to>
-                                    </p:set>
-                                    <p:anim calcmode="lin" valueType="num">
-                                      <p:cBhvr additive="base">
-                                        <p:cTn id="7" dur="500" fill="hold"/>
-                                        <p:tgtEl>
-                                          <p:spTgt spid="5">
-                                            <p:txEl>
-                                              <p:pRg st="0" end="0"/>
-                                            </p:txEl>
-                                          </p:spTgt>
-                                        </p:tgtEl>
-                                        <p:attrNameLst>
-                                          <p:attrName>ppt_x</p:attrName>
-                                        </p:attrNameLst>
-                                      </p:cBhvr>
-                                      <p:tavLst>
-                                        <p:tav tm="0">
-                                          <p:val>
-                                            <p:strVal val="#ppt_x"/>
-                                          </p:val>
-                                        </p:tav>
-                                        <p:tav tm="100000">
-                                          <p:val>
-                                            <p:strVal val="#ppt_x"/>
-                                          </p:val>
-                                        </p:tav>
-                                      </p:tavLst>
-                                    </p:anim>
-                                    <p:anim calcmode="lin" valueType="num">
-                                      <p:cBhvr additive="base">
-                                        <p:cTn id="8" dur="500" fill="hold"/>
-                                        <p:tgtEl>
-                                          <p:spTgt spid="5">
-                                            <p:txEl>
-                                              <p:pRg st="0" end="0"/>
-                                            </p:txEl>
-                                          </p:spTgt>
-                                        </p:tgtEl>
-                                        <p:attrNameLst>
-                                          <p:attrName>ppt_y</p:attrName>
-                                        </p:attrNameLst>
-                                      </p:cBhvr>
-                                      <p:tavLst>
-                                        <p:tav tm="0">
-                                          <p:val>
-                                            <p:strVal val="1+#ppt_h/2"/>
-                                          </p:val>
-                                        </p:tav>
-                                        <p:tav tm="100000">
-                                          <p:val>
-                                            <p:strVal val="#ppt_y"/>
-                                          </p:val>
-                                        </p:tav>
-                                      </p:tavLst>
-                                    </p:anim>
-                                  </p:childTnLst>
-                                </p:cTn>
-                              </p:par>
-                            </p:childTnLst>
-                          </p:cTn>
-                        </p:par>
-                      </p:childTnLst>
-                    </p:cTn>
-                  </p:par>
-                  <p:par>
-                    <p:cTn id="9" fill="hold">
-                      <p:stCondLst>
-                        <p:cond delay="indefinite"/>
-                      </p:stCondLst>
-                      <p:childTnLst>
-                        <p:par>
-                          <p:cTn id="10" fill="hold">
-                            <p:stCondLst>
-                              <p:cond delay="0"/>
-                            </p:stCondLst>
-                            <p:childTnLst>
-                              <p:par>
-                                <p:cTn id="11" presetID="42" presetClass="entr" presetSubtype="0" fill="hold" grpId="0" nodeType="clickEffect">
-                                  <p:stCondLst>
-                                    <p:cond delay="0"/>
-                                  </p:stCondLst>
-                                  <p:childTnLst>
-                                    <p:set>
-                                      <p:cBhvr>
-                                        <p:cTn id="12" dur="1" fill="hold">
-                                          <p:stCondLst>
-                                            <p:cond delay="0"/>
-                                          </p:stCondLst>
-                                        </p:cTn>
-                                        <p:tgtEl>
-                                          <p:spTgt spid="6"/>
-                                        </p:tgtEl>
-                                        <p:attrNameLst>
-                                          <p:attrName>style.visibility</p:attrName>
-                                        </p:attrNameLst>
-                                      </p:cBhvr>
-                                      <p:to>
-                                        <p:strVal val="visible"/>
-                                      </p:to>
-                                    </p:set>
-                                    <p:animEffect transition="in" filter="fade">
-                                      <p:cBhvr>
-                                        <p:cTn id="13" dur="1000"/>
-                                        <p:tgtEl>
-                                          <p:spTgt spid="6"/>
-                                        </p:tgtEl>
-                                      </p:cBhvr>
-                                    </p:animEffect>
-                                    <p:anim calcmode="lin" valueType="num">
-                                      <p:cBhvr>
-                                        <p:cTn id="14" dur="1000" fill="hold"/>
-                                        <p:tgtEl>
-                                          <p:spTgt spid="6"/>
-                                        </p:tgtEl>
-                                        <p:attrNameLst>
-                                          <p:attrName>ppt_x</p:attrName>
-                                        </p:attrNameLst>
-                                      </p:cBhvr>
-                                      <p:tavLst>
-                                        <p:tav tm="0">
-                                          <p:val>
-                                            <p:strVal val="#ppt_x"/>
-                                          </p:val>
-                                        </p:tav>
-                                        <p:tav tm="100000">
-                                          <p:val>
-                                            <p:strVal val="#ppt_x"/>
-                                          </p:val>
-                                        </p:tav>
-                                      </p:tavLst>
-                                    </p:anim>
-                                    <p:anim calcmode="lin" valueType="num">
-                                      <p:cBhvr>
-                                        <p:cTn id="15" dur="1000" fill="hold"/>
-                                        <p:tgtEl>
-                                          <p:spTgt spid="6"/>
-                                        </p:tgtEl>
-                                        <p:attrNameLst>
-                                          <p:attrName>ppt_y</p:attrName>
-                                        </p:attrNameLst>
-                                      </p:cBhvr>
-                                      <p:tavLst>
-                                        <p:tav tm="0">
-                                          <p:val>
-                                            <p:strVal val="#ppt_y+.1"/>
-                                          </p:val>
-                                        </p:tav>
-                                        <p:tav tm="100000">
-                                          <p:val>
-                                            <p:strVal val="#ppt_y"/>
-                                          </p:val>
-                                        </p:tav>
-                                      </p:tavLst>
-                                    </p:anim>
-                                  </p:childTnLst>
-                                </p:cTn>
-                              </p:par>
-                            </p:childTnLst>
-                          </p:cTn>
-                        </p:par>
-                      </p:childTnLst>
-                    </p:cTn>
-                  </p:par>
-                </p:childTnLst>
-              </p:cTn>
-              <p:prevCondLst>
-                <p:cond evt="onPrev" delay="0">
-                  <p:tgtEl>
-                    <p:sldTgt/>
-                  </p:tgtEl>
-                </p:cond>
-              </p:prevCondLst>
-              <p:nextCondLst>
-                <p:cond evt="onNext" delay="0">
-                  <p:tgtEl>
-                    <p:sldTgt/>
-                  </p:tgtEl>
-                </p:cond>
-              </p:nextCondLst>
-            </p:seq>
-          </p:childTnLst>
-        </p:cTn>
-      </p:par>
-    </p:tnLst>
-    <p:bldLst>
-      <p:bldP spid="6" grpId="0"/>
-    </p:bldLst>
-  </p:timing>
-</p:sld>
-</file>
-
-<file path=ppt/slides/slide5.xml><?xml version="1.0" encoding="utf-8"?>
-<p:sld xmlns:a="http://schemas.openxmlformats.org/drawingml/2006/main" xmlns:r="http://schemas.openxmlformats.org/officeDocument/2006/relationships" xmlns:p="http://schemas.openxmlformats.org/presentationml/2006/main">
-  <p:cSld>
-    <p:spTree>
-      <p:nvGrpSpPr>
-        <p:cNvPr id="1" name=""/>
-        <p:cNvGrpSpPr/>
-        <p:nvPr/>
-      </p:nvGrpSpPr>
-      <p:grpSpPr>
-        <a:xfrm>
-          <a:off x="0" y="0"/>
-          <a:ext cx="0" cy="0"/>
-          <a:chOff x="0" y="0"/>
-          <a:chExt cx="0" cy="0"/>
-        </a:xfrm>
-      </p:grpSpPr>
-      <p:sp>
-        <p:nvSpPr>
           <p:cNvPr id="2" name="TextBox 1">
             <a:extLst>
               <a:ext uri="{FF2B5EF4-FFF2-40B4-BE49-F238E27FC236}">
@@ -14632,7 +13235,7 @@
         </p:nvSpPr>
         <p:spPr>
           <a:xfrm>
-            <a:off x="1006312" y="607186"/>
+            <a:off x="1006312" y="418646"/>
             <a:ext cx="6280608" cy="646331"/>
           </a:xfrm>
           <a:prstGeom prst="rect">
@@ -14748,21 +13351,13 @@
             </a:pPr>
             <a:r>
               <a:rPr lang="en-US" dirty="0"/>
-              <a:t>Images are from various scene with</a:t>
+              <a:t>Images are from various scenes with</a:t>
             </a:r>
           </a:p>
           <a:p>
             <a:r>
               <a:rPr lang="en-US" dirty="0"/>
-              <a:t>    different brightness, </a:t>
-            </a:r>
-            <a:r>
-              <a:rPr lang="en-US" dirty="0" err="1"/>
-              <a:t>Exposureand</a:t>
-            </a:r>
-            <a:r>
-              <a:rPr lang="en-US" dirty="0"/>
-              <a:t> lighting.    </a:t>
+              <a:t>    different brightness, Exposure and lighting. Given sample of one scene.</a:t>
             </a:r>
           </a:p>
         </p:txBody>
@@ -14875,6 +13470,78 @@
           </a:p>
         </p:txBody>
       </p:sp>
+      <p:pic>
+        <p:nvPicPr>
+          <p:cNvPr id="4" name="Picture 3">
+            <a:extLst>
+              <a:ext uri="{FF2B5EF4-FFF2-40B4-BE49-F238E27FC236}">
+                <a16:creationId xmlns:a16="http://schemas.microsoft.com/office/drawing/2014/main" id="{64A90A3A-6432-9C8C-26CC-2CB4A6DE11FE}"/>
+              </a:ext>
+            </a:extLst>
+          </p:cNvPr>
+          <p:cNvPicPr>
+            <a:picLocks noChangeAspect="1"/>
+          </p:cNvPicPr>
+          <p:nvPr/>
+        </p:nvPicPr>
+        <p:blipFill>
+          <a:blip r:embed="rId4">
+            <a:extLst>
+              <a:ext uri="{28A0092B-C50C-407E-A947-70E740481C1C}">
+                <a14:useLocalDpi xmlns:a14="http://schemas.microsoft.com/office/drawing/2010/main" val="0"/>
+              </a:ext>
+            </a:extLst>
+          </a:blip>
+          <a:stretch>
+            <a:fillRect/>
+          </a:stretch>
+        </p:blipFill>
+        <p:spPr>
+          <a:xfrm>
+            <a:off x="4355308" y="4588057"/>
+            <a:ext cx="1722515" cy="1478091"/>
+          </a:xfrm>
+          <a:prstGeom prst="rect">
+            <a:avLst/>
+          </a:prstGeom>
+        </p:spPr>
+      </p:pic>
+      <p:pic>
+        <p:nvPicPr>
+          <p:cNvPr id="7" name="Picture 6">
+            <a:extLst>
+              <a:ext uri="{FF2B5EF4-FFF2-40B4-BE49-F238E27FC236}">
+                <a16:creationId xmlns:a16="http://schemas.microsoft.com/office/drawing/2014/main" id="{32657665-31F3-1016-9454-B4EB47482F87}"/>
+              </a:ext>
+            </a:extLst>
+          </p:cNvPr>
+          <p:cNvPicPr>
+            <a:picLocks noChangeAspect="1"/>
+          </p:cNvPicPr>
+          <p:nvPr/>
+        </p:nvPicPr>
+        <p:blipFill>
+          <a:blip r:embed="rId5">
+            <a:extLst>
+              <a:ext uri="{28A0092B-C50C-407E-A947-70E740481C1C}">
+                <a14:useLocalDpi xmlns:a14="http://schemas.microsoft.com/office/drawing/2010/main" val="0"/>
+              </a:ext>
+            </a:extLst>
+          </a:blip>
+          <a:stretch>
+            <a:fillRect/>
+          </a:stretch>
+        </p:blipFill>
+        <p:spPr>
+          <a:xfrm>
+            <a:off x="6996723" y="4586216"/>
+            <a:ext cx="1740692" cy="1481772"/>
+          </a:xfrm>
+          <a:prstGeom prst="rect">
+            <a:avLst/>
+          </a:prstGeom>
+        </p:spPr>
+      </p:pic>
     </p:spTree>
     <p:extLst>
       <p:ext uri="{BB962C8B-B14F-4D97-AF65-F5344CB8AC3E}">
@@ -14888,7 +13555,7 @@
 </p:sld>
 </file>
 
-<file path=ppt/slides/slide6.xml><?xml version="1.0" encoding="utf-8"?>
+<file path=ppt/slides/slide4.xml><?xml version="1.0" encoding="utf-8"?>
 <p:sld xmlns:a="http://schemas.openxmlformats.org/drawingml/2006/main" xmlns:r="http://schemas.openxmlformats.org/officeDocument/2006/relationships" xmlns:p="http://schemas.openxmlformats.org/presentationml/2006/main">
   <p:cSld>
     <p:spTree>
@@ -14905,6 +13572,509 @@
           <a:chExt cx="0" cy="0"/>
         </a:xfrm>
       </p:grpSpPr>
+      <p:sp>
+        <p:nvSpPr>
+          <p:cNvPr id="2" name="TextBox 1">
+            <a:extLst>
+              <a:ext uri="{FF2B5EF4-FFF2-40B4-BE49-F238E27FC236}">
+                <a16:creationId xmlns:a16="http://schemas.microsoft.com/office/drawing/2014/main" id="{DF548805-7DE1-B4FD-FDA4-2FA1BA944D6D}"/>
+              </a:ext>
+            </a:extLst>
+          </p:cNvPr>
+          <p:cNvSpPr txBox="1"/>
+          <p:nvPr/>
+        </p:nvSpPr>
+        <p:spPr>
+          <a:xfrm>
+            <a:off x="1006312" y="418646"/>
+            <a:ext cx="6280608" cy="646331"/>
+          </a:xfrm>
+          <a:prstGeom prst="rect">
+            <a:avLst/>
+          </a:prstGeom>
+          <a:noFill/>
+        </p:spPr>
+        <p:txBody>
+          <a:bodyPr wrap="square">
+            <a:spAutoFit/>
+          </a:bodyPr>
+          <a:lstStyle/>
+          <a:p>
+            <a:pPr marL="576072" indent="-576072" algn="l" rtl="0" eaLnBrk="1" latinLnBrk="0" hangingPunct="1">
+              <a:spcBef>
+                <a:spcPts val="0"/>
+              </a:spcBef>
+              <a:spcAft>
+                <a:spcPts val="0"/>
+              </a:spcAft>
+              <a:buClrTx/>
+              <a:buSzPts val="3600"/>
+              <a:buFont typeface="Wingdings" panose="05000000000000000000" pitchFamily="2" charset="2"/>
+              <a:buChar char="Ø"/>
+            </a:pPr>
+            <a:r>
+              <a:rPr lang="en-US" sz="3600" b="1" kern="1200" dirty="0">
+                <a:effectLst/>
+                <a:latin typeface="Berlin Sans FB Demi" panose="020E0802020502020306" pitchFamily="34" charset="0"/>
+              </a:rPr>
+              <a:t>Literature Review :</a:t>
+            </a:r>
+            <a:endParaRPr lang="en-IN" sz="3200" dirty="0">
+              <a:effectLst/>
+            </a:endParaRPr>
+          </a:p>
+        </p:txBody>
+      </p:sp>
+      <p:sp>
+        <p:nvSpPr>
+          <p:cNvPr id="3" name="TextBox 2">
+            <a:extLst>
+              <a:ext uri="{FF2B5EF4-FFF2-40B4-BE49-F238E27FC236}">
+                <a16:creationId xmlns:a16="http://schemas.microsoft.com/office/drawing/2014/main" id="{73D9D491-016F-720D-9BCE-7DAFD8C8932C}"/>
+              </a:ext>
+            </a:extLst>
+          </p:cNvPr>
+          <p:cNvSpPr txBox="1"/>
+          <p:nvPr/>
+        </p:nvSpPr>
+        <p:spPr>
+          <a:xfrm>
+            <a:off x="1687398" y="1414021"/>
+            <a:ext cx="9539925" cy="2677656"/>
+          </a:xfrm>
+          <a:prstGeom prst="rect">
+            <a:avLst/>
+          </a:prstGeom>
+          <a:noFill/>
+        </p:spPr>
+        <p:txBody>
+          <a:bodyPr wrap="square" rtlCol="0">
+            <a:spAutoFit/>
+          </a:bodyPr>
+          <a:lstStyle/>
+          <a:p>
+            <a:pPr marL="285750" indent="-285750">
+              <a:buFont typeface="Courier New" panose="02070309020205020404" pitchFamily="49" charset="0"/>
+              <a:buChar char="o"/>
+            </a:pPr>
+            <a:r>
+              <a:rPr lang="en-US" dirty="0"/>
+              <a:t>We Are studying these 3 papers to get more knowledge about the Data and the </a:t>
+            </a:r>
+            <a:r>
+              <a:rPr lang="en-US" dirty="0" err="1"/>
+              <a:t>Dimentionality</a:t>
+            </a:r>
+            <a:r>
+              <a:rPr lang="en-US" dirty="0"/>
+              <a:t> Reduction model.</a:t>
+            </a:r>
+          </a:p>
+          <a:p>
+            <a:endParaRPr lang="en-US" dirty="0"/>
+          </a:p>
+          <a:p>
+            <a:r>
+              <a:rPr lang="en-IN" sz="1400" b="0" i="0" dirty="0">
+                <a:solidFill>
+                  <a:schemeClr val="tx1">
+                    <a:lumMod val="85000"/>
+                  </a:schemeClr>
+                </a:solidFill>
+                <a:effectLst/>
+                <a:latin typeface="Arial" panose="020B0604020202020204" pitchFamily="34" charset="0"/>
+              </a:rPr>
+              <a:t>[1] </a:t>
+            </a:r>
+            <a:r>
+              <a:rPr lang="en-IN" sz="1400" b="0" i="0" dirty="0" err="1">
+                <a:solidFill>
+                  <a:schemeClr val="tx1">
+                    <a:lumMod val="85000"/>
+                  </a:schemeClr>
+                </a:solidFill>
+                <a:effectLst/>
+                <a:latin typeface="Arial" panose="020B0604020202020204" pitchFamily="34" charset="0"/>
+              </a:rPr>
+              <a:t>S.Krishnan</a:t>
+            </a:r>
+            <a:r>
+              <a:rPr lang="en-IN" sz="1400" b="0" i="0" dirty="0">
+                <a:solidFill>
+                  <a:schemeClr val="tx1">
+                    <a:lumMod val="85000"/>
+                  </a:schemeClr>
+                </a:solidFill>
+                <a:effectLst/>
+                <a:latin typeface="Arial" panose="020B0604020202020204" pitchFamily="34" charset="0"/>
+              </a:rPr>
+              <a:t> </a:t>
+            </a:r>
+            <a:r>
+              <a:rPr lang="en-IN" sz="1400" b="0" i="0" dirty="0" err="1">
+                <a:solidFill>
+                  <a:schemeClr val="tx1">
+                    <a:lumMod val="85000"/>
+                  </a:schemeClr>
+                </a:solidFill>
+                <a:effectLst/>
+                <a:latin typeface="Arial" panose="020B0604020202020204" pitchFamily="34" charset="0"/>
+              </a:rPr>
+              <a:t>P.Lio</a:t>
+            </a:r>
+            <a:r>
+              <a:rPr lang="en-IN" sz="1400" b="0" i="0" dirty="0">
+                <a:solidFill>
+                  <a:schemeClr val="tx1">
+                    <a:lumMod val="85000"/>
+                  </a:schemeClr>
+                </a:solidFill>
+                <a:effectLst/>
+                <a:latin typeface="Arial" panose="020B0604020202020204" pitchFamily="34" charset="0"/>
+              </a:rPr>
+              <a:t> </a:t>
+            </a:r>
+            <a:r>
+              <a:rPr lang="en-IN" sz="1400" b="0" i="0" dirty="0" err="1">
+                <a:solidFill>
+                  <a:schemeClr val="tx1">
+                    <a:lumMod val="85000"/>
+                  </a:schemeClr>
+                </a:solidFill>
+                <a:effectLst/>
+                <a:latin typeface="Arial" panose="020B0604020202020204" pitchFamily="34" charset="0"/>
+              </a:rPr>
+              <a:t>S.Xie</a:t>
+            </a:r>
+            <a:r>
+              <a:rPr lang="en-IN" sz="1400" b="0" i="0" dirty="0">
+                <a:solidFill>
+                  <a:schemeClr val="tx1">
+                    <a:lumMod val="85000"/>
+                  </a:schemeClr>
+                </a:solidFill>
+                <a:effectLst/>
+                <a:latin typeface="Arial" panose="020B0604020202020204" pitchFamily="34" charset="0"/>
+              </a:rPr>
+              <a:t>, </a:t>
+            </a:r>
+            <a:r>
+              <a:rPr lang="en-IN" sz="1400" b="0" i="0" dirty="0" err="1">
+                <a:solidFill>
+                  <a:schemeClr val="tx1">
+                    <a:lumMod val="85000"/>
+                  </a:schemeClr>
+                </a:solidFill>
+                <a:effectLst/>
+                <a:latin typeface="Arial" panose="020B0604020202020204" pitchFamily="34" charset="0"/>
+              </a:rPr>
+              <a:t>A.T.Lawniczak</a:t>
+            </a:r>
+            <a:r>
+              <a:rPr lang="en-IN" sz="1400" b="0" i="0" dirty="0">
+                <a:solidFill>
+                  <a:schemeClr val="tx1">
+                    <a:lumMod val="85000"/>
+                  </a:schemeClr>
+                </a:solidFill>
+                <a:effectLst/>
+                <a:latin typeface="Arial" panose="020B0604020202020204" pitchFamily="34" charset="0"/>
+              </a:rPr>
+              <a:t>. “Wavelet kernel principal component analysis</a:t>
+            </a:r>
+            <a:br>
+              <a:rPr lang="en-IN" sz="1400" dirty="0">
+                <a:solidFill>
+                  <a:schemeClr val="tx1">
+                    <a:lumMod val="85000"/>
+                  </a:schemeClr>
+                </a:solidFill>
+              </a:rPr>
+            </a:br>
+            <a:r>
+              <a:rPr lang="en-IN" sz="1400" b="0" i="0" dirty="0">
+                <a:solidFill>
+                  <a:schemeClr val="tx1">
+                    <a:lumMod val="85000"/>
+                  </a:schemeClr>
+                </a:solidFill>
+                <a:effectLst/>
+                <a:latin typeface="Arial" panose="020B0604020202020204" pitchFamily="34" charset="0"/>
+              </a:rPr>
+              <a:t>in noisy multiscale data classification</a:t>
+            </a:r>
+            <a:r>
+              <a:rPr lang="en-IN" sz="1400" b="0" i="1" dirty="0">
+                <a:solidFill>
+                  <a:schemeClr val="tx1">
+                    <a:lumMod val="85000"/>
+                  </a:schemeClr>
+                </a:solidFill>
+                <a:effectLst/>
+                <a:latin typeface="Arial" panose="020B0604020202020204" pitchFamily="34" charset="0"/>
+              </a:rPr>
+              <a:t>.</a:t>
+            </a:r>
+            <a:r>
+              <a:rPr lang="en-IN" sz="1400" b="0" dirty="0">
+                <a:solidFill>
+                  <a:schemeClr val="tx1">
+                    <a:lumMod val="85000"/>
+                  </a:schemeClr>
+                </a:solidFill>
+                <a:effectLst/>
+                <a:latin typeface="Arial" panose="020B0604020202020204" pitchFamily="34" charset="0"/>
+              </a:rPr>
+              <a:t>”</a:t>
+            </a:r>
+            <a:r>
+              <a:rPr lang="en-IN" sz="1400" b="0" i="1" dirty="0">
+                <a:solidFill>
+                  <a:schemeClr val="tx1">
+                    <a:lumMod val="85000"/>
+                  </a:schemeClr>
+                </a:solidFill>
+                <a:effectLst/>
+                <a:latin typeface="Arial" panose="020B0604020202020204" pitchFamily="34" charset="0"/>
+              </a:rPr>
+              <a:t> ISRN Computational Mathematics</a:t>
+            </a:r>
+            <a:r>
+              <a:rPr lang="en-IN" sz="1400" b="0" i="0" dirty="0">
+                <a:solidFill>
+                  <a:schemeClr val="tx1">
+                    <a:lumMod val="85000"/>
+                  </a:schemeClr>
+                </a:solidFill>
+                <a:effectLst/>
+                <a:latin typeface="Arial" panose="020B0604020202020204" pitchFamily="34" charset="0"/>
+              </a:rPr>
+              <a:t>, 259:4–6,2012.</a:t>
+            </a:r>
+          </a:p>
+          <a:p>
+            <a:br>
+              <a:rPr lang="en-IN" sz="1400" dirty="0">
+                <a:solidFill>
+                  <a:schemeClr val="tx1">
+                    <a:lumMod val="85000"/>
+                  </a:schemeClr>
+                </a:solidFill>
+              </a:rPr>
+            </a:br>
+            <a:r>
+              <a:rPr lang="en-IN" sz="1400" b="0" i="0" dirty="0">
+                <a:solidFill>
+                  <a:schemeClr val="tx1">
+                    <a:lumMod val="85000"/>
+                  </a:schemeClr>
+                </a:solidFill>
+                <a:effectLst/>
+                <a:latin typeface="Arial" panose="020B0604020202020204" pitchFamily="34" charset="0"/>
+              </a:rPr>
+              <a:t>[2] </a:t>
+            </a:r>
+            <a:r>
+              <a:rPr lang="en-IN" sz="1400" b="0" i="0" dirty="0" err="1">
+                <a:solidFill>
+                  <a:schemeClr val="tx1">
+                    <a:lumMod val="85000"/>
+                  </a:schemeClr>
+                </a:solidFill>
+                <a:effectLst/>
+                <a:latin typeface="Arial" panose="020B0604020202020204" pitchFamily="34" charset="0"/>
+              </a:rPr>
+              <a:t>P.Li</a:t>
+            </a:r>
+            <a:r>
+              <a:rPr lang="en-IN" sz="1400" b="0" i="0" dirty="0">
+                <a:solidFill>
+                  <a:schemeClr val="tx1">
+                    <a:lumMod val="85000"/>
+                  </a:schemeClr>
+                </a:solidFill>
+                <a:effectLst/>
+                <a:latin typeface="Arial" panose="020B0604020202020204" pitchFamily="34" charset="0"/>
+              </a:rPr>
+              <a:t> </a:t>
+            </a:r>
+            <a:r>
+              <a:rPr lang="en-IN" sz="1400" b="0" i="0" dirty="0" err="1">
+                <a:solidFill>
+                  <a:schemeClr val="tx1">
+                    <a:lumMod val="85000"/>
+                  </a:schemeClr>
+                </a:solidFill>
+                <a:effectLst/>
+                <a:latin typeface="Arial" panose="020B0604020202020204" pitchFamily="34" charset="0"/>
+              </a:rPr>
+              <a:t>Y.Tang</a:t>
+            </a:r>
+            <a:r>
+              <a:rPr lang="en-IN" sz="1400" b="0" i="0" dirty="0">
+                <a:solidFill>
+                  <a:schemeClr val="tx1">
+                    <a:lumMod val="85000"/>
+                  </a:schemeClr>
+                </a:solidFill>
+                <a:effectLst/>
+                <a:latin typeface="Arial" panose="020B0604020202020204" pitchFamily="34" charset="0"/>
+              </a:rPr>
+              <a:t> </a:t>
+            </a:r>
+            <a:r>
+              <a:rPr lang="en-IN" sz="1400" b="0" i="0" dirty="0" err="1">
+                <a:solidFill>
+                  <a:schemeClr val="tx1">
+                    <a:lumMod val="85000"/>
+                  </a:schemeClr>
+                </a:solidFill>
+                <a:effectLst/>
+                <a:latin typeface="Arial" panose="020B0604020202020204" pitchFamily="34" charset="0"/>
+              </a:rPr>
+              <a:t>T.You</a:t>
+            </a:r>
+            <a:r>
+              <a:rPr lang="en-IN" sz="1400" b="0" i="0" dirty="0">
+                <a:solidFill>
+                  <a:schemeClr val="tx1">
+                    <a:lumMod val="85000"/>
+                  </a:schemeClr>
+                </a:solidFill>
+                <a:effectLst/>
+                <a:latin typeface="Arial" panose="020B0604020202020204" pitchFamily="34" charset="0"/>
+              </a:rPr>
+              <a:t>, </a:t>
+            </a:r>
+            <a:r>
+              <a:rPr lang="en-IN" sz="1400" b="0" i="0" dirty="0" err="1">
+                <a:solidFill>
+                  <a:schemeClr val="tx1">
+                    <a:lumMod val="85000"/>
+                  </a:schemeClr>
+                </a:solidFill>
+                <a:effectLst/>
+                <a:latin typeface="Arial" panose="020B0604020202020204" pitchFamily="34" charset="0"/>
+              </a:rPr>
+              <a:t>Y.Hu</a:t>
+            </a:r>
+            <a:r>
+              <a:rPr lang="en-IN" sz="1400" b="0" i="0" dirty="0">
+                <a:solidFill>
+                  <a:schemeClr val="tx1">
+                    <a:lumMod val="85000"/>
+                  </a:schemeClr>
+                </a:solidFill>
+                <a:effectLst/>
+                <a:latin typeface="Arial" panose="020B0604020202020204" pitchFamily="34" charset="0"/>
+              </a:rPr>
+              <a:t>. “An improved imperialist competitive algorithm for global optimization</a:t>
+            </a:r>
+            <a:r>
+              <a:rPr lang="en-IN" sz="1400" b="0" i="1" dirty="0">
+                <a:solidFill>
+                  <a:schemeClr val="tx1">
+                    <a:lumMod val="85000"/>
+                  </a:schemeClr>
+                </a:solidFill>
+                <a:effectLst/>
+                <a:latin typeface="Arial" panose="020B0604020202020204" pitchFamily="34" charset="0"/>
+              </a:rPr>
+              <a:t>.” Turkish Journal of Electrical Engineering and Computer Science</a:t>
+            </a:r>
+            <a:r>
+              <a:rPr lang="en-IN" sz="1400" b="0" i="0" dirty="0">
+                <a:solidFill>
+                  <a:schemeClr val="tx1">
+                    <a:lumMod val="85000"/>
+                  </a:schemeClr>
+                </a:solidFill>
+                <a:effectLst/>
+                <a:latin typeface="Arial" panose="020B0604020202020204" pitchFamily="34" charset="0"/>
+              </a:rPr>
+              <a:t>, pages 5–6, 2019.</a:t>
+            </a:r>
+          </a:p>
+          <a:p>
+            <a:endParaRPr lang="en-IN" sz="1400" dirty="0">
+              <a:latin typeface="Arial" panose="020B0604020202020204" pitchFamily="34" charset="0"/>
+            </a:endParaRPr>
+          </a:p>
+          <a:p>
+            <a:r>
+              <a:rPr lang="en-IN" sz="1500" b="0" i="0" dirty="0">
+                <a:solidFill>
+                  <a:srgbClr val="E2E2E5"/>
+                </a:solidFill>
+                <a:effectLst/>
+                <a:latin typeface="Google Sans Text"/>
+              </a:rPr>
+              <a:t>[3]</a:t>
+            </a:r>
+            <a:r>
+              <a:rPr lang="en-IN" sz="1500" b="0" i="0" dirty="0" err="1">
+                <a:solidFill>
+                  <a:srgbClr val="E2E2E5"/>
+                </a:solidFill>
+                <a:effectLst/>
+                <a:latin typeface="Google Sans Text"/>
+              </a:rPr>
+              <a:t>Abdelhamed</a:t>
+            </a:r>
+            <a:r>
+              <a:rPr lang="en-IN" sz="1500" b="0" i="0" dirty="0">
+                <a:solidFill>
+                  <a:srgbClr val="E2E2E5"/>
+                </a:solidFill>
+                <a:effectLst/>
+                <a:latin typeface="Google Sans Text"/>
+              </a:rPr>
+              <a:t>, Abdelrahman, Stephen Lin, and Michael S. Brown. "A </a:t>
+            </a:r>
+            <a:r>
+              <a:rPr lang="en-IN" sz="1500" b="0" i="0" dirty="0" err="1">
+                <a:solidFill>
+                  <a:srgbClr val="E2E2E5"/>
+                </a:solidFill>
+                <a:effectLst/>
+                <a:latin typeface="Google Sans Text"/>
+              </a:rPr>
+              <a:t>HighQuality</a:t>
+            </a:r>
+            <a:r>
+              <a:rPr lang="en-IN" sz="1500" b="0" i="0" dirty="0">
+                <a:solidFill>
+                  <a:srgbClr val="E2E2E5"/>
+                </a:solidFill>
+                <a:effectLst/>
+                <a:latin typeface="Google Sans Text"/>
+              </a:rPr>
+              <a:t> Denoising Dataset for Smartphone Cameras." </a:t>
+            </a:r>
+            <a:r>
+              <a:rPr lang="en-IN" sz="1500" b="0" i="1" dirty="0">
+                <a:solidFill>
+                  <a:srgbClr val="E2E2E5"/>
+                </a:solidFill>
+                <a:effectLst/>
+                <a:latin typeface="Google Sans Text"/>
+              </a:rPr>
+              <a:t>Proceedings of the IEEE Conference on Computer Vision and Pattern Recognition</a:t>
+            </a:r>
+            <a:r>
+              <a:rPr lang="en-IN" sz="1500" b="0" i="0" dirty="0">
+                <a:solidFill>
+                  <a:srgbClr val="E2E2E5"/>
+                </a:solidFill>
+                <a:effectLst/>
+                <a:latin typeface="Google Sans Text"/>
+              </a:rPr>
+              <a:t>. 2018, pp. 1692-1700.</a:t>
+            </a:r>
+            <a:endParaRPr lang="en-IN" sz="1500" dirty="0"/>
+          </a:p>
+        </p:txBody>
+      </p:sp>
     </p:spTree>
     <p:extLst>
       <p:ext uri="{BB962C8B-B14F-4D97-AF65-F5344CB8AC3E}">
@@ -14918,7 +14088,90 @@
 </p:sld>
 </file>
 
-<file path=ppt/slides/slide7.xml><?xml version="1.0" encoding="utf-8"?>
+<file path=ppt/slides/slide5.xml><?xml version="1.0" encoding="utf-8"?>
+<p:sld xmlns:a="http://schemas.openxmlformats.org/drawingml/2006/main" xmlns:r="http://schemas.openxmlformats.org/officeDocument/2006/relationships" xmlns:p="http://schemas.openxmlformats.org/presentationml/2006/main">
+  <p:cSld>
+    <p:spTree>
+      <p:nvGrpSpPr>
+        <p:cNvPr id="1" name=""/>
+        <p:cNvGrpSpPr/>
+        <p:nvPr/>
+      </p:nvGrpSpPr>
+      <p:grpSpPr>
+        <a:xfrm>
+          <a:off x="0" y="0"/>
+          <a:ext cx="0" cy="0"/>
+          <a:chOff x="0" y="0"/>
+          <a:chExt cx="0" cy="0"/>
+        </a:xfrm>
+      </p:grpSpPr>
+      <p:sp>
+        <p:nvSpPr>
+          <p:cNvPr id="2" name="TextBox 1">
+            <a:extLst>
+              <a:ext uri="{FF2B5EF4-FFF2-40B4-BE49-F238E27FC236}">
+                <a16:creationId xmlns:a16="http://schemas.microsoft.com/office/drawing/2014/main" id="{F6D21887-DF96-241E-75FA-894EBACBEF6C}"/>
+              </a:ext>
+            </a:extLst>
+          </p:cNvPr>
+          <p:cNvSpPr txBox="1"/>
+          <p:nvPr/>
+        </p:nvSpPr>
+        <p:spPr>
+          <a:xfrm>
+            <a:off x="1006312" y="409219"/>
+            <a:ext cx="9221770" cy="646331"/>
+          </a:xfrm>
+          <a:prstGeom prst="rect">
+            <a:avLst/>
+          </a:prstGeom>
+          <a:noFill/>
+        </p:spPr>
+        <p:txBody>
+          <a:bodyPr wrap="square">
+            <a:spAutoFit/>
+          </a:bodyPr>
+          <a:lstStyle/>
+          <a:p>
+            <a:pPr marL="576072" indent="-576072" algn="l" rtl="0" eaLnBrk="1" latinLnBrk="0" hangingPunct="1">
+              <a:spcBef>
+                <a:spcPts val="0"/>
+              </a:spcBef>
+              <a:spcAft>
+                <a:spcPts val="0"/>
+              </a:spcAft>
+              <a:buClrTx/>
+              <a:buSzPts val="3600"/>
+              <a:buFont typeface="Wingdings" panose="05000000000000000000" pitchFamily="2" charset="2"/>
+              <a:buChar char="Ø"/>
+            </a:pPr>
+            <a:r>
+              <a:rPr lang="en-US" sz="3600" b="1" kern="1200" dirty="0">
+                <a:effectLst/>
+                <a:latin typeface="Berlin Sans FB Demi" panose="020E0802020502020306" pitchFamily="34" charset="0"/>
+              </a:rPr>
+              <a:t>Validating Mathematical Foundation:</a:t>
+            </a:r>
+            <a:endParaRPr lang="en-IN" sz="3600" dirty="0">
+              <a:effectLst/>
+            </a:endParaRPr>
+          </a:p>
+        </p:txBody>
+      </p:sp>
+    </p:spTree>
+    <p:extLst>
+      <p:ext uri="{BB962C8B-B14F-4D97-AF65-F5344CB8AC3E}">
+        <p14:creationId xmlns:p14="http://schemas.microsoft.com/office/powerpoint/2010/main" val="2689077090"/>
+      </p:ext>
+    </p:extLst>
+  </p:cSld>
+  <p:clrMapOvr>
+    <a:masterClrMapping/>
+  </p:clrMapOvr>
+</p:sld>
+</file>
+
+<file path=ppt/slides/slide6.xml><?xml version="1.0" encoding="utf-8"?>
 <p:sld xmlns:a="http://schemas.openxmlformats.org/drawingml/2006/main" xmlns:r="http://schemas.openxmlformats.org/officeDocument/2006/relationships" xmlns:p="http://schemas.openxmlformats.org/presentationml/2006/main">
   <p:cSld>
     <p:spTree>
